--- a/mid-term for the project/Presentation Preparation/Bohan/DSMP.pptx
+++ b/mid-term for the project/Presentation Preparation/Bohan/DSMP.pptx
@@ -15,9 +15,9 @@
     <p:sldId id="263" r:id="rId10"/>
     <p:sldId id="264" r:id="rId11"/>
     <p:sldId id="267" r:id="rId12"/>
-    <p:sldId id="268" r:id="rId13"/>
-    <p:sldId id="265" r:id="rId14"/>
-    <p:sldId id="266" r:id="rId15"/>
+    <p:sldId id="265" r:id="rId13"/>
+    <p:sldId id="266" r:id="rId14"/>
+    <p:sldId id="274" r:id="rId15"/>
     <p:sldId id="269" r:id="rId16"/>
     <p:sldId id="270" r:id="rId17"/>
     <p:sldId id="271" r:id="rId18"/>
@@ -2928,7 +2928,7 @@
     <p:bg>
       <p:bgPr>
         <a:solidFill>
-          <a:srgbClr val="01847F"/>
+          <a:srgbClr val="007E3D"/>
         </a:solidFill>
         <a:effectLst/>
       </p:bgPr>
@@ -2969,7 +2969,7 @@
             <a:r>
               <a:rPr lang="en-GB" altLang="en-US" sz="5400">
                 <a:solidFill>
-                  <a:schemeClr val="tx1"/>
+                  <a:schemeClr val="bg1"/>
                 </a:solidFill>
                 <a:latin typeface="Times New Roman" panose="02020603050405020304" charset="0"/>
                 <a:cs typeface="Times New Roman" panose="02020603050405020304" charset="0"/>
@@ -2979,7 +2979,7 @@
             <a:br>
               <a:rPr lang="en-GB" altLang="en-US">
                 <a:solidFill>
-                  <a:schemeClr val="tx1"/>
+                  <a:schemeClr val="bg1"/>
                 </a:solidFill>
                 <a:latin typeface="Times New Roman" panose="02020603050405020304" charset="0"/>
                 <a:cs typeface="Times New Roman" panose="02020603050405020304" charset="0"/>
@@ -2988,7 +2988,7 @@
             <a:r>
               <a:rPr lang="en-GB" altLang="en-US" sz="2000">
                 <a:solidFill>
-                  <a:schemeClr val="tx1"/>
+                  <a:schemeClr val="bg1"/>
                 </a:solidFill>
                 <a:latin typeface="Times New Roman" panose="02020603050405020304" charset="0"/>
                 <a:cs typeface="Times New Roman" panose="02020603050405020304" charset="0"/>
@@ -2998,7 +2998,7 @@
             <a:br>
               <a:rPr lang="en-GB" altLang="en-US" sz="2800">
                 <a:solidFill>
-                  <a:schemeClr val="tx1"/>
+                  <a:schemeClr val="bg1"/>
                 </a:solidFill>
                 <a:latin typeface="Times New Roman" panose="02020603050405020304" charset="0"/>
                 <a:cs typeface="Times New Roman" panose="02020603050405020304" charset="0"/>
@@ -3007,7 +3007,7 @@
             <a:r>
               <a:rPr lang="en-GB" altLang="en-US" sz="1800">
                 <a:solidFill>
-                  <a:schemeClr val="tx1"/>
+                  <a:schemeClr val="bg1"/>
                 </a:solidFill>
                 <a:latin typeface="Times New Roman" panose="02020603050405020304" charset="0"/>
                 <a:cs typeface="Times New Roman" panose="02020603050405020304" charset="0"/>
@@ -3016,7 +3016,7 @@
             </a:r>
             <a:endParaRPr lang="en-GB" altLang="en-US" sz="1800">
               <a:solidFill>
-                <a:schemeClr val="tx1"/>
+                <a:schemeClr val="bg1"/>
               </a:solidFill>
               <a:latin typeface="Times New Roman" panose="02020603050405020304" charset="0"/>
               <a:cs typeface="Times New Roman" panose="02020603050405020304" charset="0"/>
@@ -3046,7 +3046,7 @@
             <a:r>
               <a:rPr lang="en-GB" altLang="zh-CN" sz="2000">
                 <a:solidFill>
-                  <a:schemeClr val="tx1"/>
+                  <a:schemeClr val="bg1"/>
                 </a:solidFill>
                 <a:latin typeface="Times New Roman" panose="02020603050405020304" charset="0"/>
                 <a:cs typeface="Times New Roman" panose="02020603050405020304" charset="0"/>
@@ -3055,7 +3055,7 @@
             </a:r>
             <a:endParaRPr lang="en-GB" altLang="zh-CN" sz="2000">
               <a:solidFill>
-                <a:schemeClr val="tx1"/>
+                <a:schemeClr val="bg1"/>
               </a:solidFill>
               <a:latin typeface="Times New Roman" panose="02020603050405020304" charset="0"/>
               <a:cs typeface="Times New Roman" panose="02020603050405020304" charset="0"/>
@@ -3065,7 +3065,7 @@
             <a:r>
               <a:rPr lang="en-GB" altLang="zh-CN" sz="2000">
                 <a:solidFill>
-                  <a:schemeClr val="tx1"/>
+                  <a:schemeClr val="bg1"/>
                 </a:solidFill>
                 <a:latin typeface="Times New Roman" panose="02020603050405020304" charset="0"/>
                 <a:cs typeface="Times New Roman" panose="02020603050405020304" charset="0"/>
@@ -3074,2258 +3074,40 @@
             </a:r>
             <a:endParaRPr lang="en-GB" altLang="zh-CN" sz="2000">
               <a:solidFill>
-                <a:schemeClr val="tx1"/>
+                <a:schemeClr val="bg1"/>
               </a:solidFill>
               <a:latin typeface="Times New Roman" panose="02020603050405020304" charset="0"/>
               <a:cs typeface="Times New Roman" panose="02020603050405020304" charset="0"/>
             </a:endParaRPr>
-          </a:p>
-        </p:txBody>
-      </p:sp>
-    </p:spTree>
-  </p:cSld>
-  <p:clrMapOvr>
-    <a:masterClrMapping/>
-  </p:clrMapOvr>
-  <mc:AlternateContent xmlns:mc="http://schemas.openxmlformats.org/markup-compatibility/2006" xmlns:p159="http://schemas.microsoft.com/office/powerpoint/2015/09/main">
-    <mc:Choice Requires="p159">
-      <p:transition xmlns:p14="http://schemas.microsoft.com/office/powerpoint/2010/main" spd="slow" p14:dur="2000">
-        <p159:morph option="byObject"/>
-      </p:transition>
-    </mc:Choice>
-    <mc:Fallback>
-      <p:transition spd="slow">
-        <p:fade/>
-      </p:transition>
-    </mc:Fallback>
-  </mc:AlternateContent>
-</p:sld>
-</file>
-
-<file path=ppt/slides/slide10.xml><?xml version="1.0" encoding="utf-8"?>
-<p:sld xmlns:a="http://schemas.openxmlformats.org/drawingml/2006/main" xmlns:r="http://schemas.openxmlformats.org/officeDocument/2006/relationships" xmlns:p="http://schemas.openxmlformats.org/presentationml/2006/main">
-  <p:cSld>
-    <p:bg>
-      <p:bgPr>
-        <a:solidFill>
-          <a:srgbClr val="01847F"/>
-        </a:solidFill>
-        <a:effectLst/>
-      </p:bgPr>
-    </p:bg>
-    <p:spTree>
-      <p:nvGrpSpPr>
-        <p:cNvPr id="1" name=""/>
-        <p:cNvGrpSpPr/>
-        <p:nvPr/>
-      </p:nvGrpSpPr>
-      <p:grpSpPr/>
-      <p:sp>
-        <p:nvSpPr>
-          <p:cNvPr id="14" name="圆角矩形 13"/>
-          <p:cNvSpPr/>
-          <p:nvPr>
-            <p:custDataLst>
-              <p:tags r:id="rId1"/>
-            </p:custDataLst>
-          </p:nvPr>
-        </p:nvSpPr>
-        <p:spPr>
-          <a:xfrm>
-            <a:off x="351790" y="275590"/>
-            <a:ext cx="11581130" cy="6299835"/>
-          </a:xfrm>
-          <a:prstGeom prst="roundRect">
-            <a:avLst/>
-          </a:prstGeom>
-          <a:solidFill>
-            <a:schemeClr val="accent4">
-              <a:lumMod val="60000"/>
-              <a:lumOff val="40000"/>
-            </a:schemeClr>
-          </a:solidFill>
-          <a:ln>
-            <a:noFill/>
-          </a:ln>
-          <a:effectLst>
-            <a:outerShdw blurRad="50800" dist="38100" algn="l" rotWithShape="0">
-              <a:prstClr val="black">
-                <a:alpha val="40000"/>
-              </a:prstClr>
-            </a:outerShdw>
-          </a:effectLst>
-        </p:spPr>
-        <p:style>
-          <a:lnRef idx="2">
-            <a:schemeClr val="accent1">
-              <a:lumMod val="75000"/>
-            </a:schemeClr>
-          </a:lnRef>
-          <a:fillRef idx="1">
-            <a:schemeClr val="accent1"/>
-          </a:fillRef>
-          <a:effectRef idx="0">
-            <a:srgbClr val="FFFFFF"/>
-          </a:effectRef>
-          <a:fontRef idx="minor">
-            <a:schemeClr val="lt1"/>
-          </a:fontRef>
-        </p:style>
-        <p:txBody>
-          <a:bodyPr rtlCol="0" anchor="ctr"/>
-          <a:p>
-            <a:pPr algn="ctr"/>
-            <a:endParaRPr lang="zh-CN" altLang="en-US"/>
           </a:p>
         </p:txBody>
       </p:sp>
       <p:pic>
         <p:nvPicPr>
-          <p:cNvPr id="22" name="图片 21"/>
-          <p:cNvPicPr>
-            <a:picLocks noChangeAspect="1"/>
-          </p:cNvPicPr>
-          <p:nvPr>
-            <p:custDataLst>
-              <p:tags r:id="rId2"/>
-            </p:custDataLst>
-          </p:nvPr>
-        </p:nvPicPr>
-        <p:blipFill>
-          <a:blip r:embed="rId3"/>
-          <a:stretch>
-            <a:fillRect/>
-          </a:stretch>
-        </p:blipFill>
-        <p:spPr>
-          <a:xfrm>
-            <a:off x="2282190" y="1690370"/>
-            <a:ext cx="972000" cy="972000"/>
-          </a:xfrm>
-          <a:prstGeom prst="rect">
-            <a:avLst/>
-          </a:prstGeom>
-        </p:spPr>
-      </p:pic>
-      <p:sp>
-        <p:nvSpPr>
-          <p:cNvPr id="23" name="文本框 22"/>
-          <p:cNvSpPr txBox="1"/>
-          <p:nvPr>
-            <p:custDataLst>
-              <p:tags r:id="rId4"/>
-            </p:custDataLst>
-          </p:nvPr>
-        </p:nvSpPr>
-        <p:spPr>
-          <a:xfrm>
-            <a:off x="1633220" y="3353435"/>
-            <a:ext cx="2269490" cy="1198880"/>
-          </a:xfrm>
-          <a:prstGeom prst="rect">
-            <a:avLst/>
-          </a:prstGeom>
-          <a:noFill/>
-        </p:spPr>
-        <p:txBody>
-          <a:bodyPr wrap="square" rtlCol="0">
-            <a:spAutoFit/>
-          </a:bodyPr>
-          <a:p>
-            <a:pPr algn="ctr"/>
-            <a:r>
-              <a:rPr lang="en-US" altLang="zh-CN" sz="3600">
-                <a:solidFill>
-                  <a:schemeClr val="tx1">
-                    <a:lumMod val="85000"/>
-                    <a:lumOff val="15000"/>
-                  </a:schemeClr>
-                </a:solidFill>
-                <a:latin typeface="Times New Roman" panose="02020603050405020304" charset="0"/>
-                <a:cs typeface="Times New Roman" panose="02020603050405020304" charset="0"/>
-              </a:rPr>
-              <a:t>Annual Analysis</a:t>
-            </a:r>
-            <a:endParaRPr lang="en-US" altLang="zh-CN" sz="3600">
-              <a:solidFill>
-                <a:schemeClr val="tx1">
-                  <a:lumMod val="85000"/>
-                  <a:lumOff val="15000"/>
-                </a:schemeClr>
-              </a:solidFill>
-              <a:latin typeface="Times New Roman" panose="02020603050405020304" charset="0"/>
-              <a:cs typeface="Times New Roman" panose="02020603050405020304" charset="0"/>
-            </a:endParaRPr>
-          </a:p>
-        </p:txBody>
-      </p:sp>
-      <p:sp>
-        <p:nvSpPr>
-          <p:cNvPr id="28" name="文本框 27"/>
-          <p:cNvSpPr txBox="1"/>
-          <p:nvPr>
-            <p:custDataLst>
-              <p:tags r:id="rId5"/>
-            </p:custDataLst>
-          </p:nvPr>
-        </p:nvSpPr>
-        <p:spPr>
-          <a:xfrm>
-            <a:off x="5471160" y="833120"/>
-            <a:ext cx="4902835" cy="694690"/>
-          </a:xfrm>
-          <a:prstGeom prst="rect">
-            <a:avLst/>
-          </a:prstGeom>
-          <a:noFill/>
-        </p:spPr>
-        <p:txBody>
-          <a:bodyPr wrap="square" rtlCol="0">
-            <a:noAutofit/>
-          </a:bodyPr>
-          <a:p>
-            <a:pPr indent="0" algn="ctr">
-              <a:buNone/>
-            </a:pPr>
-            <a:r>
-              <a:rPr lang="en-US" altLang="zh-CN" sz="3200">
-                <a:latin typeface="Times New Roman" panose="02020603050405020304" charset="0"/>
-                <a:cs typeface="Times New Roman" panose="02020603050405020304" charset="0"/>
-              </a:rPr>
-              <a:t>Purchase Trend</a:t>
-            </a:r>
-            <a:endParaRPr lang="en-US" altLang="zh-CN" sz="3200">
-              <a:latin typeface="Times New Roman" panose="02020603050405020304" charset="0"/>
-              <a:cs typeface="Times New Roman" panose="02020603050405020304" charset="0"/>
-            </a:endParaRPr>
-          </a:p>
-          <a:p>
-            <a:pPr marL="742950" lvl="1" indent="-285750">
-              <a:buFont typeface="Arial" panose="020B0604020202020204" pitchFamily="34" charset="0"/>
-              <a:buChar char="•"/>
-            </a:pPr>
-            <a:endParaRPr lang="en-US" altLang="zh-CN" sz="2800">
-              <a:latin typeface="Times New Roman" panose="02020603050405020304" charset="0"/>
-              <a:cs typeface="Times New Roman" panose="02020603050405020304" charset="0"/>
-            </a:endParaRPr>
-          </a:p>
-          <a:p>
-            <a:pPr marL="285750" indent="-285750">
-              <a:buFont typeface="Arial" panose="020B0604020202020204" pitchFamily="34" charset="0"/>
-              <a:buChar char="•"/>
-            </a:pPr>
-            <a:endParaRPr lang="en-US" altLang="zh-CN" sz="2800">
-              <a:latin typeface="Times New Roman" panose="02020603050405020304" charset="0"/>
-              <a:cs typeface="Times New Roman" panose="02020603050405020304" charset="0"/>
-            </a:endParaRPr>
-          </a:p>
-        </p:txBody>
-      </p:sp>
-      <p:sp>
-        <p:nvSpPr>
-          <p:cNvPr id="32" name="文本框 31"/>
-          <p:cNvSpPr txBox="1"/>
-          <p:nvPr>
-            <p:custDataLst>
-              <p:tags r:id="rId6"/>
-            </p:custDataLst>
-          </p:nvPr>
-        </p:nvSpPr>
-        <p:spPr>
-          <a:xfrm>
-            <a:off x="6019165" y="6114415"/>
-            <a:ext cx="153035" cy="368300"/>
-          </a:xfrm>
-          <a:prstGeom prst="rect">
-            <a:avLst/>
-          </a:prstGeom>
-          <a:noFill/>
-        </p:spPr>
-        <p:txBody>
-          <a:bodyPr wrap="square" rtlCol="0">
-            <a:spAutoFit/>
-          </a:bodyPr>
-          <a:p>
-            <a:pPr algn="ctr"/>
-            <a:r>
-              <a:rPr lang="en-US" altLang="zh-CN">
-                <a:latin typeface="Times New Roman" panose="02020603050405020304" charset="0"/>
-                <a:cs typeface="Times New Roman" panose="02020603050405020304" charset="0"/>
-              </a:rPr>
-              <a:t>3</a:t>
-            </a:r>
-            <a:endParaRPr lang="en-US" altLang="zh-CN">
-              <a:latin typeface="Times New Roman" panose="02020603050405020304" charset="0"/>
-              <a:cs typeface="Times New Roman" panose="02020603050405020304" charset="0"/>
-            </a:endParaRPr>
-          </a:p>
-        </p:txBody>
-      </p:sp>
-    </p:spTree>
-  </p:cSld>
-  <p:clrMapOvr>
-    <a:masterClrMapping/>
-  </p:clrMapOvr>
-  <mc:AlternateContent xmlns:mc="http://schemas.openxmlformats.org/markup-compatibility/2006" xmlns:p159="http://schemas.microsoft.com/office/powerpoint/2015/09/main">
-    <mc:Choice Requires="p159">
-      <p:transition xmlns:p14="http://schemas.microsoft.com/office/powerpoint/2010/main" spd="slow" p14:dur="2000">
-        <p159:morph option="byObject"/>
-      </p:transition>
-    </mc:Choice>
-    <mc:Fallback>
-      <p:transition spd="slow">
-        <p:fade/>
-      </p:transition>
-    </mc:Fallback>
-  </mc:AlternateContent>
-</p:sld>
-</file>
-
-<file path=ppt/slides/slide11.xml><?xml version="1.0" encoding="utf-8"?>
-<p:sld xmlns:a="http://schemas.openxmlformats.org/drawingml/2006/main" xmlns:r="http://schemas.openxmlformats.org/officeDocument/2006/relationships" xmlns:p="http://schemas.openxmlformats.org/presentationml/2006/main">
-  <p:cSld>
-    <p:bg>
-      <p:bgPr>
-        <a:solidFill>
-          <a:srgbClr val="01847F"/>
-        </a:solidFill>
-        <a:effectLst/>
-      </p:bgPr>
-    </p:bg>
-    <p:spTree>
-      <p:nvGrpSpPr>
-        <p:cNvPr id="1" name=""/>
-        <p:cNvGrpSpPr/>
-        <p:nvPr/>
-      </p:nvGrpSpPr>
-      <p:grpSpPr/>
-      <p:sp>
-        <p:nvSpPr>
-          <p:cNvPr id="14" name="圆角矩形 13"/>
-          <p:cNvSpPr/>
-          <p:nvPr>
-            <p:custDataLst>
-              <p:tags r:id="rId1"/>
-            </p:custDataLst>
-          </p:nvPr>
-        </p:nvSpPr>
-        <p:spPr>
-          <a:xfrm>
-            <a:off x="351790" y="275590"/>
-            <a:ext cx="11581130" cy="6299835"/>
-          </a:xfrm>
-          <a:prstGeom prst="roundRect">
-            <a:avLst/>
-          </a:prstGeom>
-          <a:solidFill>
-            <a:schemeClr val="accent4">
-              <a:lumMod val="60000"/>
-              <a:lumOff val="40000"/>
-            </a:schemeClr>
-          </a:solidFill>
-          <a:ln>
-            <a:noFill/>
-          </a:ln>
-          <a:effectLst>
-            <a:outerShdw blurRad="50800" dist="38100" algn="l" rotWithShape="0">
-              <a:prstClr val="black">
-                <a:alpha val="40000"/>
-              </a:prstClr>
-            </a:outerShdw>
-          </a:effectLst>
-        </p:spPr>
-        <p:style>
-          <a:lnRef idx="2">
-            <a:schemeClr val="accent1">
-              <a:lumMod val="75000"/>
-            </a:schemeClr>
-          </a:lnRef>
-          <a:fillRef idx="1">
-            <a:schemeClr val="accent1"/>
-          </a:fillRef>
-          <a:effectRef idx="0">
-            <a:srgbClr val="FFFFFF"/>
-          </a:effectRef>
-          <a:fontRef idx="minor">
-            <a:schemeClr val="lt1"/>
-          </a:fontRef>
-        </p:style>
-        <p:txBody>
-          <a:bodyPr rtlCol="0" anchor="ctr"/>
-          <a:p>
-            <a:pPr algn="ctr"/>
-            <a:endParaRPr lang="zh-CN" altLang="en-US"/>
-          </a:p>
-        </p:txBody>
-      </p:sp>
-      <p:pic>
-        <p:nvPicPr>
-          <p:cNvPr id="22" name="图片 21"/>
-          <p:cNvPicPr>
-            <a:picLocks noChangeAspect="1"/>
-          </p:cNvPicPr>
-          <p:nvPr>
-            <p:custDataLst>
-              <p:tags r:id="rId2"/>
-            </p:custDataLst>
-          </p:nvPr>
-        </p:nvPicPr>
-        <p:blipFill>
-          <a:blip r:embed="rId3"/>
-          <a:stretch>
-            <a:fillRect/>
-          </a:stretch>
-        </p:blipFill>
-        <p:spPr>
-          <a:xfrm>
-            <a:off x="2282190" y="1690370"/>
-            <a:ext cx="972000" cy="972000"/>
-          </a:xfrm>
-          <a:prstGeom prst="rect">
-            <a:avLst/>
-          </a:prstGeom>
-        </p:spPr>
-      </p:pic>
-      <p:sp>
-        <p:nvSpPr>
-          <p:cNvPr id="23" name="文本框 22"/>
-          <p:cNvSpPr txBox="1"/>
-          <p:nvPr>
-            <p:custDataLst>
-              <p:tags r:id="rId4"/>
-            </p:custDataLst>
-          </p:nvPr>
-        </p:nvSpPr>
-        <p:spPr>
-          <a:xfrm>
-            <a:off x="1633220" y="3353435"/>
-            <a:ext cx="2269490" cy="1198880"/>
-          </a:xfrm>
-          <a:prstGeom prst="rect">
-            <a:avLst/>
-          </a:prstGeom>
-          <a:noFill/>
-        </p:spPr>
-        <p:txBody>
-          <a:bodyPr wrap="square" rtlCol="0">
-            <a:spAutoFit/>
-          </a:bodyPr>
-          <a:p>
-            <a:pPr algn="ctr"/>
-            <a:r>
-              <a:rPr lang="en-US" altLang="zh-CN" sz="3600">
-                <a:solidFill>
-                  <a:schemeClr val="tx1">
-                    <a:lumMod val="85000"/>
-                    <a:lumOff val="15000"/>
-                  </a:schemeClr>
-                </a:solidFill>
-                <a:latin typeface="Times New Roman" panose="02020603050405020304" charset="0"/>
-                <a:cs typeface="Times New Roman" panose="02020603050405020304" charset="0"/>
-              </a:rPr>
-              <a:t>Annual Analysis</a:t>
-            </a:r>
-            <a:endParaRPr lang="en-US" altLang="zh-CN" sz="3600">
-              <a:solidFill>
-                <a:schemeClr val="tx1">
-                  <a:lumMod val="85000"/>
-                  <a:lumOff val="15000"/>
-                </a:schemeClr>
-              </a:solidFill>
-              <a:latin typeface="Times New Roman" panose="02020603050405020304" charset="0"/>
-              <a:cs typeface="Times New Roman" panose="02020603050405020304" charset="0"/>
-            </a:endParaRPr>
-          </a:p>
-        </p:txBody>
-      </p:sp>
-      <p:sp>
-        <p:nvSpPr>
-          <p:cNvPr id="28" name="文本框 27"/>
-          <p:cNvSpPr txBox="1"/>
-          <p:nvPr>
-            <p:custDataLst>
-              <p:tags r:id="rId5"/>
-            </p:custDataLst>
-          </p:nvPr>
-        </p:nvSpPr>
-        <p:spPr>
-          <a:xfrm>
-            <a:off x="5615305" y="833120"/>
-            <a:ext cx="4455795" cy="694690"/>
-          </a:xfrm>
-          <a:prstGeom prst="rect">
-            <a:avLst/>
-          </a:prstGeom>
-          <a:noFill/>
-        </p:spPr>
-        <p:txBody>
-          <a:bodyPr wrap="square" rtlCol="0">
-            <a:noAutofit/>
-          </a:bodyPr>
-          <a:p>
-            <a:pPr indent="0" algn="ctr">
-              <a:buFont typeface="Arial" panose="020B0604020202020204" pitchFamily="34" charset="0"/>
-              <a:buNone/>
-            </a:pPr>
-            <a:r>
-              <a:rPr lang="en-US" altLang="zh-CN" sz="2800">
-                <a:latin typeface="Times New Roman" panose="02020603050405020304" charset="0"/>
-                <a:cs typeface="Times New Roman" panose="02020603050405020304" charset="0"/>
-              </a:rPr>
-              <a:t>Service Design</a:t>
-            </a:r>
-            <a:endParaRPr lang="en-US" altLang="zh-CN" sz="2800">
-              <a:latin typeface="Times New Roman" panose="02020603050405020304" charset="0"/>
-              <a:cs typeface="Times New Roman" panose="02020603050405020304" charset="0"/>
-            </a:endParaRPr>
-          </a:p>
-        </p:txBody>
-      </p:sp>
-      <p:sp>
-        <p:nvSpPr>
-          <p:cNvPr id="32" name="文本框 31"/>
-          <p:cNvSpPr txBox="1"/>
-          <p:nvPr>
-            <p:custDataLst>
-              <p:tags r:id="rId6"/>
-            </p:custDataLst>
-          </p:nvPr>
-        </p:nvSpPr>
-        <p:spPr>
-          <a:xfrm>
-            <a:off x="6019165" y="6114415"/>
-            <a:ext cx="153035" cy="368300"/>
-          </a:xfrm>
-          <a:prstGeom prst="rect">
-            <a:avLst/>
-          </a:prstGeom>
-          <a:noFill/>
-        </p:spPr>
-        <p:txBody>
-          <a:bodyPr wrap="square" rtlCol="0">
-            <a:spAutoFit/>
-          </a:bodyPr>
-          <a:p>
-            <a:pPr algn="ctr"/>
-            <a:r>
-              <a:rPr lang="en-US" altLang="zh-CN">
-                <a:latin typeface="Times New Roman" panose="02020603050405020304" charset="0"/>
-                <a:cs typeface="Times New Roman" panose="02020603050405020304" charset="0"/>
-              </a:rPr>
-              <a:t>3</a:t>
-            </a:r>
-            <a:endParaRPr lang="en-US" altLang="zh-CN">
-              <a:latin typeface="Times New Roman" panose="02020603050405020304" charset="0"/>
-              <a:cs typeface="Times New Roman" panose="02020603050405020304" charset="0"/>
-            </a:endParaRPr>
-          </a:p>
-        </p:txBody>
-      </p:sp>
-    </p:spTree>
-  </p:cSld>
-  <p:clrMapOvr>
-    <a:masterClrMapping/>
-  </p:clrMapOvr>
-  <mc:AlternateContent xmlns:mc="http://schemas.openxmlformats.org/markup-compatibility/2006" xmlns:p159="http://schemas.microsoft.com/office/powerpoint/2015/09/main">
-    <mc:Choice Requires="p159">
-      <p:transition xmlns:p14="http://schemas.microsoft.com/office/powerpoint/2010/main" spd="slow" p14:dur="2000">
-        <p159:morph option="byObject"/>
-      </p:transition>
-    </mc:Choice>
-    <mc:Fallback>
-      <p:transition spd="slow">
-        <p:fade/>
-      </p:transition>
-    </mc:Fallback>
-  </mc:AlternateContent>
-</p:sld>
-</file>
-
-<file path=ppt/slides/slide12.xml><?xml version="1.0" encoding="utf-8"?>
-<p:sld xmlns:a="http://schemas.openxmlformats.org/drawingml/2006/main" xmlns:r="http://schemas.openxmlformats.org/officeDocument/2006/relationships" xmlns:p="http://schemas.openxmlformats.org/presentationml/2006/main">
-  <p:cSld>
-    <p:bg>
-      <p:bgPr>
-        <a:solidFill>
-          <a:srgbClr val="01847F"/>
-        </a:solidFill>
-        <a:effectLst/>
-      </p:bgPr>
-    </p:bg>
-    <p:spTree>
-      <p:nvGrpSpPr>
-        <p:cNvPr id="1" name=""/>
-        <p:cNvGrpSpPr/>
-        <p:nvPr/>
-      </p:nvGrpSpPr>
-      <p:grpSpPr/>
-      <p:sp>
-        <p:nvSpPr>
-          <p:cNvPr id="15" name="圆角矩形 14"/>
-          <p:cNvSpPr/>
-          <p:nvPr>
-            <p:custDataLst>
-              <p:tags r:id="rId1"/>
-            </p:custDataLst>
-          </p:nvPr>
-        </p:nvSpPr>
-        <p:spPr>
-          <a:xfrm>
-            <a:off x="4908550" y="275590"/>
-            <a:ext cx="7031355" cy="6299835"/>
-          </a:xfrm>
-          <a:prstGeom prst="roundRect">
-            <a:avLst/>
-          </a:prstGeom>
-          <a:solidFill>
-            <a:srgbClr val="20BBA1"/>
-          </a:solidFill>
-          <a:ln>
-            <a:noFill/>
-          </a:ln>
-          <a:effectLst>
-            <a:outerShdw blurRad="50800" dist="38100" algn="l" rotWithShape="0">
-              <a:prstClr val="black">
-                <a:alpha val="40000"/>
-              </a:prstClr>
-            </a:outerShdw>
-          </a:effectLst>
-        </p:spPr>
-        <p:style>
-          <a:lnRef idx="2">
-            <a:schemeClr val="accent1">
-              <a:lumMod val="75000"/>
-            </a:schemeClr>
-          </a:lnRef>
-          <a:fillRef idx="1">
-            <a:schemeClr val="accent1"/>
-          </a:fillRef>
-          <a:effectRef idx="0">
-            <a:srgbClr val="FFFFFF"/>
-          </a:effectRef>
-          <a:fontRef idx="minor">
-            <a:schemeClr val="lt1"/>
-          </a:fontRef>
-        </p:style>
-        <p:txBody>
-          <a:bodyPr rtlCol="0" anchor="ctr"/>
-          <a:p>
-            <a:pPr algn="ctr"/>
-            <a:endParaRPr lang="zh-CN" altLang="en-US"/>
-          </a:p>
-        </p:txBody>
-      </p:sp>
-      <p:sp>
-        <p:nvSpPr>
-          <p:cNvPr id="14" name="圆角矩形 13"/>
-          <p:cNvSpPr/>
-          <p:nvPr>
-            <p:custDataLst>
-              <p:tags r:id="rId2"/>
-            </p:custDataLst>
-          </p:nvPr>
-        </p:nvSpPr>
-        <p:spPr>
-          <a:xfrm>
-            <a:off x="3380105" y="275590"/>
-            <a:ext cx="1542415" cy="6299835"/>
-          </a:xfrm>
-          <a:prstGeom prst="roundRect">
-            <a:avLst/>
-          </a:prstGeom>
-          <a:solidFill>
-            <a:schemeClr val="accent4">
-              <a:lumMod val="60000"/>
-              <a:lumOff val="40000"/>
-            </a:schemeClr>
-          </a:solidFill>
-          <a:ln>
-            <a:noFill/>
-          </a:ln>
-          <a:effectLst>
-            <a:outerShdw blurRad="50800" dist="38100" algn="l" rotWithShape="0">
-              <a:prstClr val="black">
-                <a:alpha val="40000"/>
-              </a:prstClr>
-            </a:outerShdw>
-          </a:effectLst>
-        </p:spPr>
-        <p:style>
-          <a:lnRef idx="2">
-            <a:schemeClr val="accent1">
-              <a:lumMod val="75000"/>
-            </a:schemeClr>
-          </a:lnRef>
-          <a:fillRef idx="1">
-            <a:schemeClr val="accent1"/>
-          </a:fillRef>
-          <a:effectRef idx="0">
-            <a:srgbClr val="FFFFFF"/>
-          </a:effectRef>
-          <a:fontRef idx="minor">
-            <a:schemeClr val="lt1"/>
-          </a:fontRef>
-        </p:style>
-        <p:txBody>
-          <a:bodyPr rtlCol="0" anchor="ctr"/>
-          <a:p>
-            <a:pPr algn="ctr"/>
-            <a:endParaRPr lang="zh-CN" altLang="en-US"/>
-          </a:p>
-        </p:txBody>
-      </p:sp>
-      <p:sp>
-        <p:nvSpPr>
-          <p:cNvPr id="13" name="圆角矩形 12"/>
-          <p:cNvSpPr/>
-          <p:nvPr>
-            <p:custDataLst>
-              <p:tags r:id="rId3"/>
-            </p:custDataLst>
-          </p:nvPr>
-        </p:nvSpPr>
-        <p:spPr>
-          <a:xfrm>
-            <a:off x="1851660" y="275590"/>
-            <a:ext cx="1520190" cy="6299835"/>
-          </a:xfrm>
-          <a:prstGeom prst="roundRect">
-            <a:avLst/>
-          </a:prstGeom>
-          <a:solidFill>
-            <a:schemeClr val="accent4">
-              <a:lumMod val="40000"/>
-              <a:lumOff val="60000"/>
-            </a:schemeClr>
-          </a:solidFill>
-          <a:ln>
-            <a:noFill/>
-          </a:ln>
-          <a:effectLst>
-            <a:outerShdw blurRad="50800" dist="38100" algn="l" rotWithShape="0">
-              <a:prstClr val="black">
-                <a:alpha val="40000"/>
-              </a:prstClr>
-            </a:outerShdw>
-          </a:effectLst>
-        </p:spPr>
-        <p:style>
-          <a:lnRef idx="2">
-            <a:schemeClr val="accent1">
-              <a:lumMod val="75000"/>
-            </a:schemeClr>
-          </a:lnRef>
-          <a:fillRef idx="1">
-            <a:schemeClr val="accent1"/>
-          </a:fillRef>
-          <a:effectRef idx="0">
-            <a:srgbClr val="FFFFFF"/>
-          </a:effectRef>
-          <a:fontRef idx="minor">
-            <a:schemeClr val="lt1"/>
-          </a:fontRef>
-        </p:style>
-        <p:txBody>
-          <a:bodyPr rtlCol="0" anchor="ctr"/>
-          <a:p>
-            <a:pPr algn="ctr"/>
-            <a:endParaRPr lang="zh-CN" altLang="en-US"/>
-          </a:p>
-        </p:txBody>
-      </p:sp>
-      <p:sp>
-        <p:nvSpPr>
-          <p:cNvPr id="12" name="圆角矩形 11"/>
-          <p:cNvSpPr/>
-          <p:nvPr>
-            <p:custDataLst>
-              <p:tags r:id="rId4"/>
-            </p:custDataLst>
-          </p:nvPr>
-        </p:nvSpPr>
-        <p:spPr>
-          <a:xfrm>
-            <a:off x="351155" y="275590"/>
-            <a:ext cx="1483360" cy="6299835"/>
-          </a:xfrm>
-          <a:prstGeom prst="roundRect">
-            <a:avLst/>
-          </a:prstGeom>
-          <a:solidFill>
-            <a:srgbClr val="A0CDCC"/>
-          </a:solidFill>
-          <a:ln>
-            <a:noFill/>
-          </a:ln>
-          <a:effectLst>
-            <a:outerShdw blurRad="50800" dist="38100" algn="l" rotWithShape="0">
-              <a:prstClr val="black">
-                <a:alpha val="40000"/>
-              </a:prstClr>
-            </a:outerShdw>
-          </a:effectLst>
-        </p:spPr>
-        <p:style>
-          <a:lnRef idx="2">
-            <a:schemeClr val="accent1">
-              <a:lumMod val="75000"/>
-            </a:schemeClr>
-          </a:lnRef>
-          <a:fillRef idx="1">
-            <a:schemeClr val="accent1"/>
-          </a:fillRef>
-          <a:effectRef idx="0">
-            <a:srgbClr val="FFFFFF"/>
-          </a:effectRef>
-          <a:fontRef idx="minor">
-            <a:schemeClr val="lt1"/>
-          </a:fontRef>
-        </p:style>
-        <p:txBody>
-          <a:bodyPr rtlCol="0" anchor="ctr"/>
-          <a:p>
-            <a:pPr algn="ctr"/>
-            <a:endParaRPr lang="zh-CN" altLang="en-US"/>
-          </a:p>
-        </p:txBody>
-      </p:sp>
-      <p:pic>
-        <p:nvPicPr>
-          <p:cNvPr id="17" name="图片 16"/>
-          <p:cNvPicPr>
-            <a:picLocks noChangeAspect="1"/>
-          </p:cNvPicPr>
-          <p:nvPr>
-            <p:custDataLst>
-              <p:tags r:id="rId5"/>
-            </p:custDataLst>
-          </p:nvPr>
-        </p:nvPicPr>
-        <p:blipFill>
-          <a:blip r:embed="rId6"/>
-          <a:stretch>
-            <a:fillRect/>
-          </a:stretch>
-        </p:blipFill>
-        <p:spPr>
-          <a:xfrm>
-            <a:off x="854710" y="718185"/>
-            <a:ext cx="457200" cy="457200"/>
-          </a:xfrm>
-          <a:prstGeom prst="rect">
-            <a:avLst/>
-          </a:prstGeom>
-        </p:spPr>
-      </p:pic>
-      <p:sp>
-        <p:nvSpPr>
-          <p:cNvPr id="18" name="文本框 17"/>
-          <p:cNvSpPr txBox="1"/>
-          <p:nvPr>
-            <p:custDataLst>
-              <p:tags r:id="rId7"/>
-            </p:custDataLst>
-          </p:nvPr>
-        </p:nvSpPr>
-        <p:spPr>
-          <a:xfrm>
-            <a:off x="248920" y="1357630"/>
-            <a:ext cx="1688465" cy="398780"/>
-          </a:xfrm>
-          <a:prstGeom prst="rect">
-            <a:avLst/>
-          </a:prstGeom>
-          <a:noFill/>
-        </p:spPr>
-        <p:txBody>
-          <a:bodyPr wrap="square" rtlCol="0">
-            <a:spAutoFit/>
-          </a:bodyPr>
-          <a:p>
-            <a:pPr algn="ctr"/>
-            <a:r>
-              <a:rPr lang="en-US" altLang="zh-CN" sz="2000">
-                <a:solidFill>
-                  <a:schemeClr val="tx1">
-                    <a:lumMod val="85000"/>
-                    <a:lumOff val="15000"/>
-                  </a:schemeClr>
-                </a:solidFill>
-                <a:latin typeface="Times New Roman" panose="02020603050405020304" charset="0"/>
-                <a:cs typeface="Times New Roman" panose="02020603050405020304" charset="0"/>
-              </a:rPr>
-              <a:t>Background</a:t>
-            </a:r>
-            <a:endParaRPr lang="en-US" altLang="zh-CN" sz="2000">
-              <a:solidFill>
-                <a:schemeClr val="tx1">
-                  <a:lumMod val="85000"/>
-                  <a:lumOff val="15000"/>
-                </a:schemeClr>
-              </a:solidFill>
-              <a:latin typeface="Times New Roman" panose="02020603050405020304" charset="0"/>
-              <a:cs typeface="Times New Roman" panose="02020603050405020304" charset="0"/>
-            </a:endParaRPr>
-          </a:p>
-        </p:txBody>
-      </p:sp>
-      <p:pic>
-        <p:nvPicPr>
-          <p:cNvPr id="20" name="图片 19"/>
-          <p:cNvPicPr>
-            <a:picLocks noChangeAspect="1"/>
-          </p:cNvPicPr>
-          <p:nvPr>
-            <p:custDataLst>
-              <p:tags r:id="rId8"/>
-            </p:custDataLst>
-          </p:nvPr>
-        </p:nvPicPr>
-        <p:blipFill>
-          <a:blip r:embed="rId9"/>
-          <a:stretch>
-            <a:fillRect/>
-          </a:stretch>
-        </p:blipFill>
-        <p:spPr>
-          <a:xfrm>
-            <a:off x="2374265" y="718185"/>
-            <a:ext cx="457200" cy="457200"/>
-          </a:xfrm>
-          <a:prstGeom prst="rect">
-            <a:avLst/>
-          </a:prstGeom>
-        </p:spPr>
-      </p:pic>
-      <p:sp>
-        <p:nvSpPr>
-          <p:cNvPr id="21" name="文本框 20"/>
-          <p:cNvSpPr txBox="1"/>
-          <p:nvPr>
-            <p:custDataLst>
-              <p:tags r:id="rId10"/>
-            </p:custDataLst>
-          </p:nvPr>
-        </p:nvSpPr>
-        <p:spPr>
-          <a:xfrm>
-            <a:off x="1851660" y="1372235"/>
-            <a:ext cx="1548130" cy="398780"/>
-          </a:xfrm>
-          <a:prstGeom prst="rect">
-            <a:avLst/>
-          </a:prstGeom>
-          <a:noFill/>
-        </p:spPr>
-        <p:txBody>
-          <a:bodyPr wrap="square" rtlCol="0">
-            <a:spAutoFit/>
-          </a:bodyPr>
-          <a:p>
-            <a:pPr algn="ctr"/>
-            <a:r>
-              <a:rPr lang="en-US" altLang="zh-CN" sz="2000">
-                <a:solidFill>
-                  <a:schemeClr val="tx1">
-                    <a:lumMod val="85000"/>
-                    <a:lumOff val="15000"/>
-                  </a:schemeClr>
-                </a:solidFill>
-                <a:latin typeface="Times New Roman" panose="02020603050405020304" charset="0"/>
-                <a:cs typeface="Times New Roman" panose="02020603050405020304" charset="0"/>
-              </a:rPr>
-              <a:t>Motivation</a:t>
-            </a:r>
-            <a:endParaRPr lang="en-US" altLang="zh-CN" sz="2000">
-              <a:solidFill>
-                <a:schemeClr val="tx1">
-                  <a:lumMod val="85000"/>
-                  <a:lumOff val="15000"/>
-                </a:schemeClr>
-              </a:solidFill>
-              <a:latin typeface="Times New Roman" panose="02020603050405020304" charset="0"/>
-              <a:cs typeface="Times New Roman" panose="02020603050405020304" charset="0"/>
-            </a:endParaRPr>
-          </a:p>
-        </p:txBody>
-      </p:sp>
-      <p:pic>
-        <p:nvPicPr>
-          <p:cNvPr id="22" name="图片 21"/>
-          <p:cNvPicPr>
-            <a:picLocks noChangeAspect="1"/>
-          </p:cNvPicPr>
-          <p:nvPr>
-            <p:custDataLst>
-              <p:tags r:id="rId11"/>
-            </p:custDataLst>
-          </p:nvPr>
-        </p:nvPicPr>
-        <p:blipFill>
-          <a:blip r:embed="rId12"/>
-          <a:stretch>
-            <a:fillRect/>
-          </a:stretch>
-        </p:blipFill>
-        <p:spPr>
-          <a:xfrm>
-            <a:off x="3911600" y="718185"/>
-            <a:ext cx="457200" cy="457200"/>
-          </a:xfrm>
-          <a:prstGeom prst="rect">
-            <a:avLst/>
-          </a:prstGeom>
-        </p:spPr>
-      </p:pic>
-      <p:sp>
-        <p:nvSpPr>
-          <p:cNvPr id="23" name="文本框 22"/>
-          <p:cNvSpPr txBox="1"/>
-          <p:nvPr>
-            <p:custDataLst>
-              <p:tags r:id="rId13"/>
-            </p:custDataLst>
-          </p:nvPr>
-        </p:nvSpPr>
-        <p:spPr>
-          <a:xfrm>
-            <a:off x="3354705" y="1357630"/>
-            <a:ext cx="1533525" cy="706755"/>
-          </a:xfrm>
-          <a:prstGeom prst="rect">
-            <a:avLst/>
-          </a:prstGeom>
-          <a:noFill/>
-        </p:spPr>
-        <p:txBody>
-          <a:bodyPr wrap="square" rtlCol="0">
-            <a:spAutoFit/>
-          </a:bodyPr>
-          <a:p>
-            <a:pPr algn="ctr"/>
-            <a:r>
-              <a:rPr lang="en-US" altLang="zh-CN" sz="2000">
-                <a:solidFill>
-                  <a:schemeClr val="tx1">
-                    <a:lumMod val="85000"/>
-                    <a:lumOff val="15000"/>
-                  </a:schemeClr>
-                </a:solidFill>
-                <a:latin typeface="Times New Roman" panose="02020603050405020304" charset="0"/>
-                <a:cs typeface="Times New Roman" panose="02020603050405020304" charset="0"/>
-              </a:rPr>
-              <a:t>Annual Analysis</a:t>
-            </a:r>
-            <a:endParaRPr lang="en-US" altLang="zh-CN" sz="2000">
-              <a:solidFill>
-                <a:schemeClr val="tx1">
-                  <a:lumMod val="85000"/>
-                  <a:lumOff val="15000"/>
-                </a:schemeClr>
-              </a:solidFill>
-              <a:latin typeface="Times New Roman" panose="02020603050405020304" charset="0"/>
-              <a:cs typeface="Times New Roman" panose="02020603050405020304" charset="0"/>
-            </a:endParaRPr>
-          </a:p>
-        </p:txBody>
-      </p:sp>
-      <p:pic>
-        <p:nvPicPr>
-          <p:cNvPr id="24" name="图片 23"/>
-          <p:cNvPicPr>
-            <a:picLocks noChangeAspect="1"/>
-          </p:cNvPicPr>
-          <p:nvPr>
-            <p:custDataLst>
-              <p:tags r:id="rId14"/>
-            </p:custDataLst>
-          </p:nvPr>
-        </p:nvPicPr>
-        <p:blipFill>
-          <a:blip r:embed="rId15"/>
-          <a:stretch>
-            <a:fillRect/>
-          </a:stretch>
-        </p:blipFill>
-        <p:spPr>
-          <a:xfrm>
-            <a:off x="8188325" y="718185"/>
-            <a:ext cx="457200" cy="457200"/>
-          </a:xfrm>
-          <a:prstGeom prst="rect">
-            <a:avLst/>
-          </a:prstGeom>
-        </p:spPr>
-      </p:pic>
-      <p:sp>
-        <p:nvSpPr>
-          <p:cNvPr id="25" name="文本框 24"/>
-          <p:cNvSpPr txBox="1"/>
-          <p:nvPr>
-            <p:custDataLst>
-              <p:tags r:id="rId16"/>
-            </p:custDataLst>
-          </p:nvPr>
-        </p:nvSpPr>
-        <p:spPr>
-          <a:xfrm>
-            <a:off x="7177405" y="1357630"/>
-            <a:ext cx="2451100" cy="521970"/>
-          </a:xfrm>
-          <a:prstGeom prst="rect">
-            <a:avLst/>
-          </a:prstGeom>
-          <a:noFill/>
-        </p:spPr>
-        <p:txBody>
-          <a:bodyPr wrap="square" rtlCol="0">
-            <a:spAutoFit/>
-          </a:bodyPr>
-          <a:p>
-            <a:pPr algn="ctr"/>
-            <a:r>
-              <a:rPr lang="en-US" altLang="zh-CN" sz="2800">
-                <a:solidFill>
-                  <a:schemeClr val="tx1">
-                    <a:lumMod val="85000"/>
-                    <a:lumOff val="15000"/>
-                  </a:schemeClr>
-                </a:solidFill>
-                <a:latin typeface="Times New Roman" panose="02020603050405020304" charset="0"/>
-                <a:cs typeface="Times New Roman" panose="02020603050405020304" charset="0"/>
-              </a:rPr>
-              <a:t>User Profiling</a:t>
-            </a:r>
-            <a:endParaRPr lang="en-US" altLang="zh-CN" sz="2800">
-              <a:solidFill>
-                <a:schemeClr val="tx1">
-                  <a:lumMod val="85000"/>
-                  <a:lumOff val="15000"/>
-                </a:schemeClr>
-              </a:solidFill>
-              <a:latin typeface="Times New Roman" panose="02020603050405020304" charset="0"/>
-              <a:cs typeface="Times New Roman" panose="02020603050405020304" charset="0"/>
-            </a:endParaRPr>
-          </a:p>
-        </p:txBody>
-      </p:sp>
-      <p:sp>
-        <p:nvSpPr>
-          <p:cNvPr id="26" name="文本框 25"/>
-          <p:cNvSpPr txBox="1"/>
-          <p:nvPr>
-            <p:custDataLst>
-              <p:tags r:id="rId17"/>
-            </p:custDataLst>
-          </p:nvPr>
-        </p:nvSpPr>
-        <p:spPr>
-          <a:xfrm>
-            <a:off x="344170" y="2738120"/>
-            <a:ext cx="1483360" cy="2798445"/>
-          </a:xfrm>
-          <a:prstGeom prst="rect">
-            <a:avLst/>
-          </a:prstGeom>
-          <a:noFill/>
-        </p:spPr>
-        <p:txBody>
-          <a:bodyPr wrap="square" rtlCol="0">
-            <a:noAutofit/>
-          </a:bodyPr>
-          <a:p>
-            <a:pPr marL="285750" indent="-285750">
-              <a:buFont typeface="Arial" panose="020B0604020202020204" pitchFamily="34" charset="0"/>
-              <a:buChar char="•"/>
-            </a:pPr>
-            <a:r>
-              <a:rPr lang="en-US" altLang="zh-CN" sz="2000">
-                <a:latin typeface="Times New Roman" panose="02020603050405020304" charset="0"/>
-                <a:cs typeface="Times New Roman" panose="02020603050405020304" charset="0"/>
-              </a:rPr>
-              <a:t>Data Source</a:t>
-            </a:r>
-            <a:endParaRPr lang="en-US" altLang="zh-CN" sz="2000">
-              <a:latin typeface="Times New Roman" panose="02020603050405020304" charset="0"/>
-              <a:cs typeface="Times New Roman" panose="02020603050405020304" charset="0"/>
-            </a:endParaRPr>
-          </a:p>
-          <a:p>
-            <a:pPr marL="285750" indent="-285750">
-              <a:buFont typeface="Arial" panose="020B0604020202020204" pitchFamily="34" charset="0"/>
-              <a:buChar char="•"/>
-            </a:pPr>
-            <a:endParaRPr lang="en-US" altLang="zh-CN" sz="2000">
-              <a:latin typeface="Times New Roman" panose="02020603050405020304" charset="0"/>
-              <a:cs typeface="Times New Roman" panose="02020603050405020304" charset="0"/>
-            </a:endParaRPr>
-          </a:p>
-          <a:p>
-            <a:pPr marL="285750" indent="-285750">
-              <a:buFont typeface="Arial" panose="020B0604020202020204" pitchFamily="34" charset="0"/>
-              <a:buChar char="•"/>
-            </a:pPr>
-            <a:r>
-              <a:rPr lang="en-US" altLang="zh-CN" sz="2000">
-                <a:latin typeface="Times New Roman" panose="02020603050405020304" charset="0"/>
-                <a:cs typeface="Times New Roman" panose="02020603050405020304" charset="0"/>
-              </a:rPr>
-              <a:t>Feature</a:t>
-            </a:r>
-            <a:endParaRPr lang="en-US" altLang="zh-CN" sz="2000">
-              <a:latin typeface="Times New Roman" panose="02020603050405020304" charset="0"/>
-              <a:cs typeface="Times New Roman" panose="02020603050405020304" charset="0"/>
-            </a:endParaRPr>
-          </a:p>
-          <a:p>
-            <a:pPr marL="285750" indent="-285750">
-              <a:buFont typeface="Arial" panose="020B0604020202020204" pitchFamily="34" charset="0"/>
-              <a:buChar char="•"/>
-            </a:pPr>
-            <a:endParaRPr lang="en-US" altLang="zh-CN" sz="2000">
-              <a:latin typeface="Times New Roman" panose="02020603050405020304" charset="0"/>
-              <a:cs typeface="Times New Roman" panose="02020603050405020304" charset="0"/>
-            </a:endParaRPr>
-          </a:p>
-          <a:p>
-            <a:pPr marL="285750" indent="-285750">
-              <a:buFont typeface="Arial" panose="020B0604020202020204" pitchFamily="34" charset="0"/>
-              <a:buChar char="•"/>
-            </a:pPr>
-            <a:r>
-              <a:rPr lang="en-US" altLang="zh-CN" sz="2000">
-                <a:latin typeface="Times New Roman" panose="02020603050405020304" charset="0"/>
-                <a:cs typeface="Times New Roman" panose="02020603050405020304" charset="0"/>
-              </a:rPr>
-              <a:t>Ethics</a:t>
-            </a:r>
-            <a:endParaRPr lang="en-US" altLang="zh-CN" sz="2000">
-              <a:latin typeface="Times New Roman" panose="02020603050405020304" charset="0"/>
-              <a:cs typeface="Times New Roman" panose="02020603050405020304" charset="0"/>
-            </a:endParaRPr>
-          </a:p>
-        </p:txBody>
-      </p:sp>
-      <p:sp>
-        <p:nvSpPr>
-          <p:cNvPr id="27" name="文本框 26"/>
-          <p:cNvSpPr txBox="1"/>
-          <p:nvPr>
-            <p:custDataLst>
-              <p:tags r:id="rId18"/>
-            </p:custDataLst>
-          </p:nvPr>
-        </p:nvSpPr>
-        <p:spPr>
-          <a:xfrm>
-            <a:off x="1851660" y="2737485"/>
-            <a:ext cx="1503045" cy="2553970"/>
-          </a:xfrm>
-          <a:prstGeom prst="rect">
-            <a:avLst/>
-          </a:prstGeom>
-          <a:noFill/>
-        </p:spPr>
-        <p:txBody>
-          <a:bodyPr wrap="square" rtlCol="0">
-            <a:noAutofit/>
-          </a:bodyPr>
-          <a:p>
-            <a:pPr marL="285750" indent="-285750">
-              <a:buFont typeface="Arial" panose="020B0604020202020204" pitchFamily="34" charset="0"/>
-              <a:buChar char="•"/>
-            </a:pPr>
-            <a:r>
-              <a:rPr lang="en-US" altLang="zh-CN" sz="2000">
-                <a:latin typeface="Times New Roman" panose="02020603050405020304" charset="0"/>
-                <a:cs typeface="Times New Roman" panose="02020603050405020304" charset="0"/>
-              </a:rPr>
-              <a:t>Annual Analysis</a:t>
-            </a:r>
-            <a:endParaRPr lang="en-US" altLang="zh-CN" sz="2000">
-              <a:latin typeface="Times New Roman" panose="02020603050405020304" charset="0"/>
-              <a:cs typeface="Times New Roman" panose="02020603050405020304" charset="0"/>
-            </a:endParaRPr>
-          </a:p>
-          <a:p>
-            <a:pPr marL="285750" indent="-285750">
-              <a:buFont typeface="Arial" panose="020B0604020202020204" pitchFamily="34" charset="0"/>
-              <a:buChar char="•"/>
-            </a:pPr>
-            <a:endParaRPr lang="en-US" altLang="zh-CN" sz="2000">
-              <a:latin typeface="Times New Roman" panose="02020603050405020304" charset="0"/>
-              <a:cs typeface="Times New Roman" panose="02020603050405020304" charset="0"/>
-            </a:endParaRPr>
-          </a:p>
-          <a:p>
-            <a:pPr marL="285750" indent="-285750">
-              <a:buFont typeface="Arial" panose="020B0604020202020204" pitchFamily="34" charset="0"/>
-              <a:buChar char="•"/>
-            </a:pPr>
-            <a:r>
-              <a:rPr lang="en-US" altLang="zh-CN" sz="2000">
-                <a:latin typeface="Times New Roman" panose="02020603050405020304" charset="0"/>
-                <a:cs typeface="Times New Roman" panose="02020603050405020304" charset="0"/>
-              </a:rPr>
-              <a:t>User Profiling</a:t>
-            </a:r>
-            <a:endParaRPr lang="en-US" altLang="zh-CN" sz="2000">
-              <a:latin typeface="Times New Roman" panose="02020603050405020304" charset="0"/>
-              <a:cs typeface="Times New Roman" panose="02020603050405020304" charset="0"/>
-            </a:endParaRPr>
-          </a:p>
-        </p:txBody>
-      </p:sp>
-      <p:sp>
-        <p:nvSpPr>
-          <p:cNvPr id="28" name="文本框 27"/>
-          <p:cNvSpPr txBox="1"/>
-          <p:nvPr>
-            <p:custDataLst>
-              <p:tags r:id="rId19"/>
-            </p:custDataLst>
-          </p:nvPr>
-        </p:nvSpPr>
-        <p:spPr>
-          <a:xfrm>
-            <a:off x="3354705" y="2738120"/>
-            <a:ext cx="1564005" cy="2553335"/>
-          </a:xfrm>
-          <a:prstGeom prst="rect">
-            <a:avLst/>
-          </a:prstGeom>
-          <a:noFill/>
-        </p:spPr>
-        <p:txBody>
-          <a:bodyPr wrap="square" rtlCol="0">
-            <a:spAutoFit/>
-          </a:bodyPr>
-          <a:p>
-            <a:pPr marL="285750" indent="-285750">
-              <a:buFont typeface="Arial" panose="020B0604020202020204" pitchFamily="34" charset="0"/>
-              <a:buChar char="•"/>
-            </a:pPr>
-            <a:r>
-              <a:rPr lang="en-US" altLang="zh-CN" sz="2000">
-                <a:latin typeface="Times New Roman" panose="02020603050405020304" charset="0"/>
-                <a:cs typeface="Times New Roman" panose="02020603050405020304" charset="0"/>
-              </a:rPr>
-              <a:t>Purchase Trend</a:t>
-            </a:r>
-            <a:endParaRPr lang="en-US" altLang="zh-CN" sz="2000">
-              <a:latin typeface="Times New Roman" panose="02020603050405020304" charset="0"/>
-              <a:cs typeface="Times New Roman" panose="02020603050405020304" charset="0"/>
-            </a:endParaRPr>
-          </a:p>
-          <a:p>
-            <a:pPr marL="285750" indent="-285750">
-              <a:buFont typeface="Arial" panose="020B0604020202020204" pitchFamily="34" charset="0"/>
-              <a:buChar char="•"/>
-            </a:pPr>
-            <a:endParaRPr lang="en-US" altLang="zh-CN" sz="2000">
-              <a:latin typeface="Times New Roman" panose="02020603050405020304" charset="0"/>
-              <a:cs typeface="Times New Roman" panose="02020603050405020304" charset="0"/>
-            </a:endParaRPr>
-          </a:p>
-          <a:p>
-            <a:pPr marL="285750" indent="-285750">
-              <a:buFont typeface="Arial" panose="020B0604020202020204" pitchFamily="34" charset="0"/>
-              <a:buChar char="•"/>
-            </a:pPr>
-            <a:r>
-              <a:rPr lang="en-US" altLang="zh-CN" sz="2000">
-                <a:latin typeface="Times New Roman" panose="02020603050405020304" charset="0"/>
-                <a:cs typeface="Times New Roman" panose="02020603050405020304" charset="0"/>
-              </a:rPr>
-              <a:t>Time Persepecti-ve Service Design</a:t>
-            </a:r>
-            <a:endParaRPr lang="en-US" altLang="zh-CN" sz="2000">
-              <a:latin typeface="Times New Roman" panose="02020603050405020304" charset="0"/>
-              <a:cs typeface="Times New Roman" panose="02020603050405020304" charset="0"/>
-            </a:endParaRPr>
-          </a:p>
-        </p:txBody>
-      </p:sp>
-      <p:sp>
-        <p:nvSpPr>
-          <p:cNvPr id="29" name="文本框 28"/>
-          <p:cNvSpPr txBox="1"/>
-          <p:nvPr>
-            <p:custDataLst>
-              <p:tags r:id="rId20"/>
-            </p:custDataLst>
-          </p:nvPr>
-        </p:nvSpPr>
-        <p:spPr>
-          <a:xfrm>
-            <a:off x="5676265" y="2935605"/>
-            <a:ext cx="5220970" cy="2355850"/>
-          </a:xfrm>
-          <a:prstGeom prst="rect">
-            <a:avLst/>
-          </a:prstGeom>
-          <a:noFill/>
-        </p:spPr>
-        <p:txBody>
-          <a:bodyPr wrap="square" rtlCol="0">
-            <a:noAutofit/>
-          </a:bodyPr>
-          <a:p>
-            <a:pPr marL="285750" indent="-285750">
-              <a:buFont typeface="Arial" panose="020B0604020202020204" pitchFamily="34" charset="0"/>
-              <a:buChar char="•"/>
-            </a:pPr>
-            <a:r>
-              <a:rPr lang="en-US" altLang="zh-CN" sz="2800">
-                <a:latin typeface="Times New Roman" panose="02020603050405020304" charset="0"/>
-                <a:cs typeface="Times New Roman" panose="02020603050405020304" charset="0"/>
-              </a:rPr>
-              <a:t>Customer Types</a:t>
-            </a:r>
-            <a:endParaRPr lang="en-US" altLang="zh-CN" sz="2800">
-              <a:latin typeface="Times New Roman" panose="02020603050405020304" charset="0"/>
-              <a:cs typeface="Times New Roman" panose="02020603050405020304" charset="0"/>
-            </a:endParaRPr>
-          </a:p>
-          <a:p>
-            <a:pPr marL="285750" indent="-285750">
-              <a:buFont typeface="Arial" panose="020B0604020202020204" pitchFamily="34" charset="0"/>
-              <a:buChar char="•"/>
-            </a:pPr>
-            <a:endParaRPr lang="en-US" altLang="zh-CN" sz="2800">
-              <a:latin typeface="Times New Roman" panose="02020603050405020304" charset="0"/>
-              <a:cs typeface="Times New Roman" panose="02020603050405020304" charset="0"/>
-            </a:endParaRPr>
-          </a:p>
-          <a:p>
-            <a:pPr marL="285750" indent="-285750">
-              <a:buFont typeface="Arial" panose="020B0604020202020204" pitchFamily="34" charset="0"/>
-              <a:buChar char="•"/>
-            </a:pPr>
-            <a:r>
-              <a:rPr lang="en-US" altLang="zh-CN" sz="2800">
-                <a:latin typeface="Times New Roman" panose="02020603050405020304" charset="0"/>
-                <a:cs typeface="Times New Roman" panose="02020603050405020304" charset="0"/>
-              </a:rPr>
-              <a:t>New Feature</a:t>
-            </a:r>
-            <a:endParaRPr lang="en-US" altLang="zh-CN" sz="2800">
-              <a:latin typeface="Times New Roman" panose="02020603050405020304" charset="0"/>
-              <a:cs typeface="Times New Roman" panose="02020603050405020304" charset="0"/>
-            </a:endParaRPr>
-          </a:p>
-          <a:p>
-            <a:pPr marL="285750" indent="-285750">
-              <a:buFont typeface="Arial" panose="020B0604020202020204" pitchFamily="34" charset="0"/>
-              <a:buChar char="•"/>
-            </a:pPr>
-            <a:endParaRPr lang="en-US" altLang="zh-CN" sz="2800">
-              <a:latin typeface="Times New Roman" panose="02020603050405020304" charset="0"/>
-              <a:cs typeface="Times New Roman" panose="02020603050405020304" charset="0"/>
-            </a:endParaRPr>
-          </a:p>
-          <a:p>
-            <a:pPr marL="285750" indent="-285750">
-              <a:buFont typeface="Arial" panose="020B0604020202020204" pitchFamily="34" charset="0"/>
-              <a:buChar char="•"/>
-            </a:pPr>
-            <a:r>
-              <a:rPr lang="en-US" altLang="zh-CN" sz="2800">
-                <a:latin typeface="Times New Roman" panose="02020603050405020304" charset="0"/>
-                <a:cs typeface="Times New Roman" panose="02020603050405020304" charset="0"/>
-              </a:rPr>
-              <a:t>DIY Service Design</a:t>
-            </a:r>
-            <a:endParaRPr lang="en-US" altLang="zh-CN" sz="2800">
-              <a:latin typeface="Times New Roman" panose="02020603050405020304" charset="0"/>
-              <a:cs typeface="Times New Roman" panose="02020603050405020304" charset="0"/>
-            </a:endParaRPr>
-          </a:p>
-        </p:txBody>
-      </p:sp>
-      <p:sp>
-        <p:nvSpPr>
-          <p:cNvPr id="30" name="文本框 29"/>
-          <p:cNvSpPr txBox="1"/>
-          <p:nvPr>
-            <p:custDataLst>
-              <p:tags r:id="rId21"/>
-            </p:custDataLst>
-          </p:nvPr>
-        </p:nvSpPr>
-        <p:spPr>
-          <a:xfrm>
-            <a:off x="1021080" y="6120130"/>
-            <a:ext cx="153035" cy="368300"/>
-          </a:xfrm>
-          <a:prstGeom prst="rect">
-            <a:avLst/>
-          </a:prstGeom>
-          <a:noFill/>
-        </p:spPr>
-        <p:txBody>
-          <a:bodyPr wrap="square" rtlCol="0">
-            <a:spAutoFit/>
-          </a:bodyPr>
-          <a:p>
-            <a:pPr algn="ctr"/>
-            <a:r>
-              <a:rPr lang="en-US" altLang="zh-CN">
-                <a:latin typeface="Times New Roman" panose="02020603050405020304" charset="0"/>
-                <a:cs typeface="Times New Roman" panose="02020603050405020304" charset="0"/>
-              </a:rPr>
-              <a:t>1</a:t>
-            </a:r>
-            <a:endParaRPr lang="en-US" altLang="zh-CN">
-              <a:latin typeface="Times New Roman" panose="02020603050405020304" charset="0"/>
-              <a:cs typeface="Times New Roman" panose="02020603050405020304" charset="0"/>
-            </a:endParaRPr>
-          </a:p>
-        </p:txBody>
-      </p:sp>
-      <p:sp>
-        <p:nvSpPr>
-          <p:cNvPr id="31" name="文本框 30"/>
-          <p:cNvSpPr txBox="1"/>
-          <p:nvPr>
-            <p:custDataLst>
-              <p:tags r:id="rId22"/>
-            </p:custDataLst>
-          </p:nvPr>
-        </p:nvSpPr>
-        <p:spPr>
-          <a:xfrm>
-            <a:off x="2548890" y="6120130"/>
-            <a:ext cx="153035" cy="368300"/>
-          </a:xfrm>
-          <a:prstGeom prst="rect">
-            <a:avLst/>
-          </a:prstGeom>
-          <a:noFill/>
-        </p:spPr>
-        <p:txBody>
-          <a:bodyPr wrap="square" rtlCol="0">
-            <a:spAutoFit/>
-          </a:bodyPr>
-          <a:p>
-            <a:pPr algn="ctr"/>
-            <a:r>
-              <a:rPr lang="en-US" altLang="zh-CN">
-                <a:latin typeface="Times New Roman" panose="02020603050405020304" charset="0"/>
-                <a:cs typeface="Times New Roman" panose="02020603050405020304" charset="0"/>
-              </a:rPr>
-              <a:t>2</a:t>
-            </a:r>
-            <a:endParaRPr lang="en-US" altLang="zh-CN">
-              <a:latin typeface="Times New Roman" panose="02020603050405020304" charset="0"/>
-              <a:cs typeface="Times New Roman" panose="02020603050405020304" charset="0"/>
-            </a:endParaRPr>
-          </a:p>
-        </p:txBody>
-      </p:sp>
-      <p:sp>
-        <p:nvSpPr>
-          <p:cNvPr id="32" name="文本框 31"/>
-          <p:cNvSpPr txBox="1"/>
-          <p:nvPr>
-            <p:custDataLst>
-              <p:tags r:id="rId23"/>
-            </p:custDataLst>
-          </p:nvPr>
-        </p:nvSpPr>
-        <p:spPr>
-          <a:xfrm>
-            <a:off x="4060190" y="6114415"/>
-            <a:ext cx="153035" cy="368300"/>
-          </a:xfrm>
-          <a:prstGeom prst="rect">
-            <a:avLst/>
-          </a:prstGeom>
-          <a:noFill/>
-        </p:spPr>
-        <p:txBody>
-          <a:bodyPr wrap="square" rtlCol="0">
-            <a:spAutoFit/>
-          </a:bodyPr>
-          <a:p>
-            <a:pPr algn="ctr"/>
-            <a:r>
-              <a:rPr lang="en-US" altLang="zh-CN">
-                <a:latin typeface="Times New Roman" panose="02020603050405020304" charset="0"/>
-                <a:cs typeface="Times New Roman" panose="02020603050405020304" charset="0"/>
-              </a:rPr>
-              <a:t>3</a:t>
-            </a:r>
-            <a:endParaRPr lang="en-US" altLang="zh-CN">
-              <a:latin typeface="Times New Roman" panose="02020603050405020304" charset="0"/>
-              <a:cs typeface="Times New Roman" panose="02020603050405020304" charset="0"/>
-            </a:endParaRPr>
-          </a:p>
-        </p:txBody>
-      </p:sp>
-      <p:sp>
-        <p:nvSpPr>
-          <p:cNvPr id="33" name="文本框 32"/>
-          <p:cNvSpPr txBox="1"/>
-          <p:nvPr>
-            <p:custDataLst>
-              <p:tags r:id="rId24"/>
-            </p:custDataLst>
-          </p:nvPr>
-        </p:nvSpPr>
-        <p:spPr>
-          <a:xfrm>
-            <a:off x="8340725" y="6114415"/>
-            <a:ext cx="153035" cy="368300"/>
-          </a:xfrm>
-          <a:prstGeom prst="rect">
-            <a:avLst/>
-          </a:prstGeom>
-          <a:noFill/>
-        </p:spPr>
-        <p:txBody>
-          <a:bodyPr wrap="square" rtlCol="0">
-            <a:spAutoFit/>
-          </a:bodyPr>
-          <a:p>
-            <a:pPr algn="ctr"/>
-            <a:r>
-              <a:rPr lang="en-US" altLang="zh-CN">
-                <a:latin typeface="Times New Roman" panose="02020603050405020304" charset="0"/>
-                <a:cs typeface="Times New Roman" panose="02020603050405020304" charset="0"/>
-              </a:rPr>
-              <a:t>4</a:t>
-            </a:r>
-            <a:endParaRPr lang="en-US" altLang="zh-CN">
-              <a:latin typeface="Times New Roman" panose="02020603050405020304" charset="0"/>
-              <a:cs typeface="Times New Roman" panose="02020603050405020304" charset="0"/>
-            </a:endParaRPr>
-          </a:p>
-        </p:txBody>
-      </p:sp>
-    </p:spTree>
-  </p:cSld>
-  <p:clrMapOvr>
-    <a:masterClrMapping/>
-  </p:clrMapOvr>
-  <mc:AlternateContent xmlns:mc="http://schemas.openxmlformats.org/markup-compatibility/2006" xmlns:p159="http://schemas.microsoft.com/office/powerpoint/2015/09/main">
-    <mc:Choice Requires="p159">
-      <p:transition xmlns:p14="http://schemas.microsoft.com/office/powerpoint/2010/main" spd="slow" p14:dur="2000">
-        <p159:morph option="byObject"/>
-      </p:transition>
-    </mc:Choice>
-    <mc:Fallback>
-      <p:transition spd="slow">
-        <p:fade/>
-      </p:transition>
-    </mc:Fallback>
-  </mc:AlternateContent>
-</p:sld>
-</file>
-
-<file path=ppt/slides/slide13.xml><?xml version="1.0" encoding="utf-8"?>
-<p:sld xmlns:a="http://schemas.openxmlformats.org/drawingml/2006/main" xmlns:r="http://schemas.openxmlformats.org/officeDocument/2006/relationships" xmlns:p="http://schemas.openxmlformats.org/presentationml/2006/main">
-  <p:cSld>
-    <p:bg>
-      <p:bgPr>
-        <a:solidFill>
-          <a:srgbClr val="01847F"/>
-        </a:solidFill>
-        <a:effectLst/>
-      </p:bgPr>
-    </p:bg>
-    <p:spTree>
-      <p:nvGrpSpPr>
-        <p:cNvPr id="1" name=""/>
-        <p:cNvGrpSpPr/>
-        <p:nvPr/>
-      </p:nvGrpSpPr>
-      <p:grpSpPr/>
-      <p:sp>
-        <p:nvSpPr>
-          <p:cNvPr id="15" name="圆角矩形 14"/>
-          <p:cNvSpPr/>
-          <p:nvPr>
-            <p:custDataLst>
-              <p:tags r:id="rId1"/>
-            </p:custDataLst>
-          </p:nvPr>
-        </p:nvSpPr>
-        <p:spPr>
-          <a:xfrm>
-            <a:off x="351155" y="275590"/>
-            <a:ext cx="11581765" cy="6299835"/>
-          </a:xfrm>
-          <a:prstGeom prst="roundRect">
-            <a:avLst/>
-          </a:prstGeom>
-          <a:solidFill>
-            <a:srgbClr val="20BBA1"/>
-          </a:solidFill>
-          <a:ln>
-            <a:noFill/>
-          </a:ln>
-          <a:effectLst>
-            <a:outerShdw blurRad="50800" dist="38100" algn="l" rotWithShape="0">
-              <a:prstClr val="black">
-                <a:alpha val="40000"/>
-              </a:prstClr>
-            </a:outerShdw>
-          </a:effectLst>
-        </p:spPr>
-        <p:style>
-          <a:lnRef idx="2">
-            <a:schemeClr val="accent1">
-              <a:lumMod val="75000"/>
-            </a:schemeClr>
-          </a:lnRef>
-          <a:fillRef idx="1">
-            <a:schemeClr val="accent1"/>
-          </a:fillRef>
-          <a:effectRef idx="0">
-            <a:srgbClr val="FFFFFF"/>
-          </a:effectRef>
-          <a:fontRef idx="minor">
-            <a:schemeClr val="lt1"/>
-          </a:fontRef>
-        </p:style>
-        <p:txBody>
-          <a:bodyPr rtlCol="0" anchor="ctr"/>
-          <a:p>
-            <a:pPr algn="ctr"/>
-            <a:endParaRPr lang="zh-CN" altLang="en-US"/>
-          </a:p>
-        </p:txBody>
-      </p:sp>
-      <p:pic>
-        <p:nvPicPr>
-          <p:cNvPr id="24" name="图片 23"/>
-          <p:cNvPicPr>
-            <a:picLocks noChangeAspect="1"/>
-          </p:cNvPicPr>
-          <p:nvPr>
-            <p:custDataLst>
-              <p:tags r:id="rId2"/>
-            </p:custDataLst>
-          </p:nvPr>
-        </p:nvPicPr>
-        <p:blipFill>
-          <a:blip r:embed="rId3"/>
-          <a:stretch>
-            <a:fillRect/>
-          </a:stretch>
-        </p:blipFill>
-        <p:spPr>
-          <a:xfrm>
-            <a:off x="2299970" y="1879600"/>
-            <a:ext cx="972000" cy="972000"/>
-          </a:xfrm>
-          <a:prstGeom prst="rect">
-            <a:avLst/>
-          </a:prstGeom>
-        </p:spPr>
-      </p:pic>
-      <p:sp>
-        <p:nvSpPr>
-          <p:cNvPr id="25" name="文本框 24"/>
-          <p:cNvSpPr txBox="1"/>
-          <p:nvPr>
-            <p:custDataLst>
-              <p:tags r:id="rId4"/>
-            </p:custDataLst>
-          </p:nvPr>
-        </p:nvSpPr>
-        <p:spPr>
-          <a:xfrm>
-            <a:off x="1560830" y="3429000"/>
-            <a:ext cx="2451100" cy="1198880"/>
-          </a:xfrm>
-          <a:prstGeom prst="rect">
-            <a:avLst/>
-          </a:prstGeom>
-          <a:noFill/>
-        </p:spPr>
-        <p:txBody>
-          <a:bodyPr wrap="square" rtlCol="0">
-            <a:spAutoFit/>
-          </a:bodyPr>
-          <a:p>
-            <a:pPr algn="ctr"/>
-            <a:r>
-              <a:rPr lang="en-US" altLang="zh-CN" sz="3600">
-                <a:solidFill>
-                  <a:schemeClr val="tx1">
-                    <a:lumMod val="85000"/>
-                    <a:lumOff val="15000"/>
-                  </a:schemeClr>
-                </a:solidFill>
-                <a:latin typeface="Times New Roman" panose="02020603050405020304" charset="0"/>
-                <a:cs typeface="Times New Roman" panose="02020603050405020304" charset="0"/>
-              </a:rPr>
-              <a:t>User Profiling</a:t>
-            </a:r>
-            <a:endParaRPr lang="en-US" altLang="zh-CN" sz="3600">
-              <a:solidFill>
-                <a:schemeClr val="tx1">
-                  <a:lumMod val="85000"/>
-                  <a:lumOff val="15000"/>
-                </a:schemeClr>
-              </a:solidFill>
-              <a:latin typeface="Times New Roman" panose="02020603050405020304" charset="0"/>
-              <a:cs typeface="Times New Roman" panose="02020603050405020304" charset="0"/>
-            </a:endParaRPr>
-          </a:p>
-        </p:txBody>
-      </p:sp>
-      <p:sp>
-        <p:nvSpPr>
-          <p:cNvPr id="29" name="文本框 28"/>
-          <p:cNvSpPr txBox="1"/>
-          <p:nvPr>
-            <p:custDataLst>
-              <p:tags r:id="rId5"/>
-            </p:custDataLst>
-          </p:nvPr>
-        </p:nvSpPr>
-        <p:spPr>
-          <a:xfrm>
-            <a:off x="5589905" y="2272030"/>
-            <a:ext cx="5220970" cy="2355850"/>
-          </a:xfrm>
-          <a:prstGeom prst="rect">
-            <a:avLst/>
-          </a:prstGeom>
-          <a:noFill/>
-        </p:spPr>
-        <p:txBody>
-          <a:bodyPr wrap="square" rtlCol="0">
-            <a:noAutofit/>
-          </a:bodyPr>
-          <a:p>
-            <a:pPr marL="285750" indent="-285750">
-              <a:buFont typeface="Arial" panose="020B0604020202020204" pitchFamily="34" charset="0"/>
-              <a:buChar char="•"/>
-            </a:pPr>
-            <a:r>
-              <a:rPr lang="en-US" altLang="zh-CN" sz="2800">
-                <a:latin typeface="Times New Roman" panose="02020603050405020304" charset="0"/>
-                <a:cs typeface="Times New Roman" panose="02020603050405020304" charset="0"/>
-              </a:rPr>
-              <a:t>Customer Types</a:t>
-            </a:r>
-            <a:endParaRPr lang="en-US" altLang="zh-CN" sz="2800">
-              <a:latin typeface="Times New Roman" panose="02020603050405020304" charset="0"/>
-              <a:cs typeface="Times New Roman" panose="02020603050405020304" charset="0"/>
-            </a:endParaRPr>
-          </a:p>
-          <a:p>
-            <a:pPr marL="285750" indent="-285750">
-              <a:buFont typeface="Arial" panose="020B0604020202020204" pitchFamily="34" charset="0"/>
-              <a:buChar char="•"/>
-            </a:pPr>
-            <a:endParaRPr lang="en-US" altLang="zh-CN" sz="2800">
-              <a:latin typeface="Times New Roman" panose="02020603050405020304" charset="0"/>
-              <a:cs typeface="Times New Roman" panose="02020603050405020304" charset="0"/>
-            </a:endParaRPr>
-          </a:p>
-          <a:p>
-            <a:pPr marL="285750" indent="-285750">
-              <a:buFont typeface="Arial" panose="020B0604020202020204" pitchFamily="34" charset="0"/>
-              <a:buChar char="•"/>
-            </a:pPr>
-            <a:r>
-              <a:rPr lang="en-US" altLang="zh-CN" sz="2800">
-                <a:latin typeface="Times New Roman" panose="02020603050405020304" charset="0"/>
-                <a:cs typeface="Times New Roman" panose="02020603050405020304" charset="0"/>
-              </a:rPr>
-              <a:t>New Feature</a:t>
-            </a:r>
-            <a:endParaRPr lang="en-US" altLang="zh-CN" sz="2800">
-              <a:latin typeface="Times New Roman" panose="02020603050405020304" charset="0"/>
-              <a:cs typeface="Times New Roman" panose="02020603050405020304" charset="0"/>
-            </a:endParaRPr>
-          </a:p>
-          <a:p>
-            <a:pPr marL="285750" indent="-285750">
-              <a:buFont typeface="Arial" panose="020B0604020202020204" pitchFamily="34" charset="0"/>
-              <a:buChar char="•"/>
-            </a:pPr>
-            <a:endParaRPr lang="en-US" altLang="zh-CN" sz="2800">
-              <a:latin typeface="Times New Roman" panose="02020603050405020304" charset="0"/>
-              <a:cs typeface="Times New Roman" panose="02020603050405020304" charset="0"/>
-            </a:endParaRPr>
-          </a:p>
-          <a:p>
-            <a:pPr marL="285750" indent="-285750">
-              <a:buFont typeface="Arial" panose="020B0604020202020204" pitchFamily="34" charset="0"/>
-              <a:buChar char="•"/>
-            </a:pPr>
-            <a:r>
-              <a:rPr lang="en-US" altLang="zh-CN" sz="2800">
-                <a:latin typeface="Times New Roman" panose="02020603050405020304" charset="0"/>
-                <a:cs typeface="Times New Roman" panose="02020603050405020304" charset="0"/>
-              </a:rPr>
-              <a:t>DIY Service Design</a:t>
-            </a:r>
-            <a:endParaRPr lang="en-US" altLang="zh-CN" sz="2800">
-              <a:latin typeface="Times New Roman" panose="02020603050405020304" charset="0"/>
-              <a:cs typeface="Times New Roman" panose="02020603050405020304" charset="0"/>
-            </a:endParaRPr>
-          </a:p>
-        </p:txBody>
-      </p:sp>
-      <p:sp>
-        <p:nvSpPr>
-          <p:cNvPr id="33" name="文本框 32"/>
-          <p:cNvSpPr txBox="1"/>
-          <p:nvPr>
-            <p:custDataLst>
-              <p:tags r:id="rId6"/>
-            </p:custDataLst>
-          </p:nvPr>
-        </p:nvSpPr>
-        <p:spPr>
-          <a:xfrm>
-            <a:off x="6019165" y="6114415"/>
-            <a:ext cx="153035" cy="368300"/>
-          </a:xfrm>
-          <a:prstGeom prst="rect">
-            <a:avLst/>
-          </a:prstGeom>
-          <a:noFill/>
-        </p:spPr>
-        <p:txBody>
-          <a:bodyPr wrap="square" rtlCol="0">
-            <a:spAutoFit/>
-          </a:bodyPr>
-          <a:p>
-            <a:pPr algn="ctr"/>
-            <a:r>
-              <a:rPr lang="en-US" altLang="zh-CN">
-                <a:latin typeface="Times New Roman" panose="02020603050405020304" charset="0"/>
-                <a:cs typeface="Times New Roman" panose="02020603050405020304" charset="0"/>
-              </a:rPr>
-              <a:t>4</a:t>
-            </a:r>
-            <a:endParaRPr lang="en-US" altLang="zh-CN">
-              <a:latin typeface="Times New Roman" panose="02020603050405020304" charset="0"/>
-              <a:cs typeface="Times New Roman" panose="02020603050405020304" charset="0"/>
-            </a:endParaRPr>
-          </a:p>
-        </p:txBody>
-      </p:sp>
-    </p:spTree>
-  </p:cSld>
-  <p:clrMapOvr>
-    <a:masterClrMapping/>
-  </p:clrMapOvr>
-  <mc:AlternateContent xmlns:mc="http://schemas.openxmlformats.org/markup-compatibility/2006" xmlns:p159="http://schemas.microsoft.com/office/powerpoint/2015/09/main">
-    <mc:Choice Requires="p159">
-      <p:transition xmlns:p14="http://schemas.microsoft.com/office/powerpoint/2010/main" spd="slow" p14:dur="2000">
-        <p159:morph option="byObject"/>
-      </p:transition>
-    </mc:Choice>
-    <mc:Fallback>
-      <p:transition spd="slow">
-        <p:fade/>
-      </p:transition>
-    </mc:Fallback>
-  </mc:AlternateContent>
-</p:sld>
-</file>
-
-<file path=ppt/slides/slide14.xml><?xml version="1.0" encoding="utf-8"?>
-<p:sld xmlns:a="http://schemas.openxmlformats.org/drawingml/2006/main" xmlns:r="http://schemas.openxmlformats.org/officeDocument/2006/relationships" xmlns:p="http://schemas.openxmlformats.org/presentationml/2006/main">
-  <p:cSld>
-    <p:bg>
-      <p:bgPr>
-        <a:solidFill>
-          <a:srgbClr val="01847F"/>
-        </a:solidFill>
-        <a:effectLst/>
-      </p:bgPr>
-    </p:bg>
-    <p:spTree>
-      <p:nvGrpSpPr>
-        <p:cNvPr id="1" name=""/>
-        <p:cNvGrpSpPr/>
-        <p:nvPr/>
-      </p:nvGrpSpPr>
-      <p:grpSpPr/>
-      <p:sp>
-        <p:nvSpPr>
-          <p:cNvPr id="15" name="圆角矩形 14"/>
-          <p:cNvSpPr/>
-          <p:nvPr>
-            <p:custDataLst>
-              <p:tags r:id="rId1"/>
-            </p:custDataLst>
-          </p:nvPr>
-        </p:nvSpPr>
-        <p:spPr>
-          <a:xfrm>
-            <a:off x="351155" y="275590"/>
-            <a:ext cx="11581765" cy="6299835"/>
-          </a:xfrm>
-          <a:prstGeom prst="roundRect">
-            <a:avLst/>
-          </a:prstGeom>
-          <a:solidFill>
-            <a:schemeClr val="accent5">
-              <a:lumMod val="40000"/>
-              <a:lumOff val="60000"/>
-            </a:schemeClr>
-          </a:solidFill>
-          <a:ln>
-            <a:noFill/>
-          </a:ln>
-          <a:effectLst>
-            <a:outerShdw blurRad="50800" dist="38100" algn="l" rotWithShape="0">
-              <a:prstClr val="black">
-                <a:alpha val="40000"/>
-              </a:prstClr>
-            </a:outerShdw>
-          </a:effectLst>
-        </p:spPr>
-        <p:style>
-          <a:lnRef idx="2">
-            <a:schemeClr val="accent1">
-              <a:lumMod val="75000"/>
-            </a:schemeClr>
-          </a:lnRef>
-          <a:fillRef idx="1">
-            <a:schemeClr val="accent1"/>
-          </a:fillRef>
-          <a:effectRef idx="0">
-            <a:srgbClr val="FFFFFF"/>
-          </a:effectRef>
-          <a:fontRef idx="minor">
-            <a:schemeClr val="lt1"/>
-          </a:fontRef>
-        </p:style>
-        <p:txBody>
-          <a:bodyPr rtlCol="0" anchor="ctr"/>
-          <a:p>
-            <a:pPr algn="ctr"/>
-            <a:endParaRPr lang="zh-CN" altLang="en-US"/>
-          </a:p>
-        </p:txBody>
-      </p:sp>
-      <p:pic>
-        <p:nvPicPr>
-          <p:cNvPr id="2" name="图片 1"/>
+          <p:cNvPr id="100" name="图片 99"/>
           <p:cNvPicPr>
             <a:picLocks noChangeAspect="1"/>
           </p:cNvPicPr>
           <p:nvPr/>
         </p:nvPicPr>
         <p:blipFill>
-          <a:blip r:embed="rId2"/>
+          <a:blip r:embed="rId1"/>
           <a:stretch>
             <a:fillRect/>
           </a:stretch>
         </p:blipFill>
         <p:spPr>
           <a:xfrm>
-            <a:off x="5655945" y="862965"/>
-            <a:ext cx="972000" cy="972000"/>
+            <a:off x="9870440" y="0"/>
+            <a:ext cx="2321560" cy="1306195"/>
           </a:xfrm>
           <a:prstGeom prst="rect">
             <a:avLst/>
           </a:prstGeom>
-        </p:spPr>
-      </p:pic>
-      <p:sp>
-        <p:nvSpPr>
-          <p:cNvPr id="3" name="文本框 2"/>
-          <p:cNvSpPr txBox="1"/>
-          <p:nvPr/>
-        </p:nvSpPr>
-        <p:spPr>
-          <a:xfrm>
-            <a:off x="4064000" y="2959735"/>
-            <a:ext cx="4064000" cy="829945"/>
-          </a:xfrm>
-          <a:prstGeom prst="rect">
-            <a:avLst/>
-          </a:prstGeom>
           <a:noFill/>
-        </p:spPr>
-        <p:txBody>
-          <a:bodyPr wrap="square" rtlCol="0">
-            <a:spAutoFit/>
-          </a:bodyPr>
-          <a:p>
-            <a:pPr algn="ctr"/>
-            <a:r>
-              <a:rPr lang="en-US" altLang="zh-CN" sz="4800">
-                <a:latin typeface="Times New Roman" panose="02020603050405020304" charset="0"/>
-                <a:cs typeface="Times New Roman" panose="02020603050405020304" charset="0"/>
-              </a:rPr>
-              <a:t>Future Plan</a:t>
-            </a:r>
-            <a:endParaRPr lang="en-US" altLang="zh-CN" sz="4800">
-              <a:latin typeface="Times New Roman" panose="02020603050405020304" charset="0"/>
-              <a:cs typeface="Times New Roman" panose="02020603050405020304" charset="0"/>
-            </a:endParaRPr>
-          </a:p>
-        </p:txBody>
-      </p:sp>
-    </p:spTree>
-  </p:cSld>
-  <p:clrMapOvr>
-    <a:masterClrMapping/>
-  </p:clrMapOvr>
-  <mc:AlternateContent xmlns:mc="http://schemas.openxmlformats.org/markup-compatibility/2006" xmlns:p159="http://schemas.microsoft.com/office/powerpoint/2015/09/main">
-    <mc:Choice Requires="p159">
-      <p:transition xmlns:p14="http://schemas.microsoft.com/office/powerpoint/2010/main" spd="slow" p14:dur="2000">
-        <p159:morph option="byObject"/>
-      </p:transition>
-    </mc:Choice>
-    <mc:Fallback>
-      <p:transition spd="slow">
-        <p:fade/>
-      </p:transition>
-    </mc:Fallback>
-  </mc:AlternateContent>
-</p:sld>
-</file>
-
-<file path=ppt/slides/slide15.xml><?xml version="1.0" encoding="utf-8"?>
-<p:sld xmlns:a="http://schemas.openxmlformats.org/drawingml/2006/main" xmlns:r="http://schemas.openxmlformats.org/officeDocument/2006/relationships" xmlns:p="http://schemas.openxmlformats.org/presentationml/2006/main">
-  <p:cSld>
-    <p:bg>
-      <p:bgPr>
-        <a:solidFill>
-          <a:srgbClr val="01847F"/>
-        </a:solidFill>
-        <a:effectLst/>
-      </p:bgPr>
-    </p:bg>
-    <p:spTree>
-      <p:nvGrpSpPr>
-        <p:cNvPr id="1" name=""/>
-        <p:cNvGrpSpPr/>
-        <p:nvPr/>
-      </p:nvGrpSpPr>
-      <p:grpSpPr/>
-      <p:sp>
-        <p:nvSpPr>
-          <p:cNvPr id="15" name="圆角矩形 14"/>
-          <p:cNvSpPr/>
-          <p:nvPr>
-            <p:custDataLst>
-              <p:tags r:id="rId1"/>
-            </p:custDataLst>
-          </p:nvPr>
-        </p:nvSpPr>
-        <p:spPr>
-          <a:xfrm>
-            <a:off x="351155" y="275590"/>
-            <a:ext cx="11581765" cy="6299835"/>
-          </a:xfrm>
-          <a:prstGeom prst="roundRect">
-            <a:avLst/>
-          </a:prstGeom>
-          <a:solidFill>
-            <a:schemeClr val="accent5">
-              <a:lumMod val="60000"/>
-              <a:lumOff val="40000"/>
-            </a:schemeClr>
-          </a:solidFill>
-          <a:ln>
+          <a:ln w="9525">
             <a:noFill/>
           </a:ln>
-          <a:effectLst>
-            <a:outerShdw blurRad="50800" dist="38100" algn="l" rotWithShape="0">
-              <a:prstClr val="black">
-                <a:alpha val="40000"/>
-              </a:prstClr>
-            </a:outerShdw>
-          </a:effectLst>
-        </p:spPr>
-        <p:style>
-          <a:lnRef idx="2">
-            <a:schemeClr val="accent1">
-              <a:lumMod val="75000"/>
-            </a:schemeClr>
-          </a:lnRef>
-          <a:fillRef idx="1">
-            <a:schemeClr val="accent1"/>
-          </a:fillRef>
-          <a:effectRef idx="0">
-            <a:srgbClr val="FFFFFF"/>
-          </a:effectRef>
-          <a:fontRef idx="minor">
-            <a:schemeClr val="lt1"/>
-          </a:fontRef>
-        </p:style>
-        <p:txBody>
-          <a:bodyPr rtlCol="0" anchor="ctr"/>
-          <a:p>
-            <a:pPr algn="ctr"/>
-            <a:endParaRPr lang="zh-CN" altLang="en-US"/>
-          </a:p>
-        </p:txBody>
-      </p:sp>
-      <p:sp>
-        <p:nvSpPr>
-          <p:cNvPr id="3" name="文本框 2"/>
-          <p:cNvSpPr txBox="1"/>
-          <p:nvPr/>
-        </p:nvSpPr>
-        <p:spPr>
-          <a:xfrm>
-            <a:off x="4064000" y="2959735"/>
-            <a:ext cx="4064000" cy="829945"/>
-          </a:xfrm>
-          <a:prstGeom prst="rect">
-            <a:avLst/>
-          </a:prstGeom>
-          <a:noFill/>
-        </p:spPr>
-        <p:txBody>
-          <a:bodyPr wrap="square" rtlCol="0">
-            <a:spAutoFit/>
-          </a:bodyPr>
-          <a:p>
-            <a:pPr algn="ctr"/>
-            <a:r>
-              <a:rPr lang="en-US" altLang="zh-CN" sz="4800">
-                <a:latin typeface="Times New Roman" panose="02020603050405020304" charset="0"/>
-                <a:cs typeface="Times New Roman" panose="02020603050405020304" charset="0"/>
-              </a:rPr>
-              <a:t>Any Questions?</a:t>
-            </a:r>
-            <a:endParaRPr lang="en-US" altLang="zh-CN" sz="4800">
-              <a:latin typeface="Times New Roman" panose="02020603050405020304" charset="0"/>
-              <a:cs typeface="Times New Roman" panose="02020603050405020304" charset="0"/>
-            </a:endParaRPr>
-          </a:p>
-        </p:txBody>
-      </p:sp>
-      <p:pic>
-        <p:nvPicPr>
-          <p:cNvPr id="4" name="图片 3"/>
-          <p:cNvPicPr>
-            <a:picLocks noChangeAspect="1"/>
-          </p:cNvPicPr>
-          <p:nvPr/>
-        </p:nvPicPr>
-        <p:blipFill>
-          <a:blip r:embed="rId2"/>
-          <a:stretch>
-            <a:fillRect/>
-          </a:stretch>
-        </p:blipFill>
-        <p:spPr>
-          <a:xfrm>
-            <a:off x="5655945" y="833120"/>
-            <a:ext cx="972000" cy="972000"/>
-          </a:xfrm>
-          <a:prstGeom prst="rect">
-            <a:avLst/>
-          </a:prstGeom>
         </p:spPr>
       </p:pic>
     </p:spTree>
@@ -5348,9 +3130,2306 @@
 </p:sld>
 </file>
 
+<file path=ppt/slides/slide10.xml><?xml version="1.0" encoding="utf-8"?>
+<p:sld xmlns:a="http://schemas.openxmlformats.org/drawingml/2006/main" xmlns:r="http://schemas.openxmlformats.org/officeDocument/2006/relationships" xmlns:p="http://schemas.openxmlformats.org/presentationml/2006/main">
+  <p:cSld>
+    <p:bg>
+      <p:bgPr>
+        <a:solidFill>
+          <a:srgbClr val="007E3D"/>
+        </a:solidFill>
+        <a:effectLst/>
+      </p:bgPr>
+    </p:bg>
+    <p:spTree>
+      <p:nvGrpSpPr>
+        <p:cNvPr id="1" name=""/>
+        <p:cNvGrpSpPr/>
+        <p:nvPr/>
+      </p:nvGrpSpPr>
+      <p:grpSpPr/>
+      <p:sp>
+        <p:nvSpPr>
+          <p:cNvPr id="14" name="圆角矩形 13"/>
+          <p:cNvSpPr/>
+          <p:nvPr>
+            <p:custDataLst>
+              <p:tags r:id="rId1"/>
+            </p:custDataLst>
+          </p:nvPr>
+        </p:nvSpPr>
+        <p:spPr>
+          <a:xfrm>
+            <a:off x="351790" y="275590"/>
+            <a:ext cx="11581130" cy="6299835"/>
+          </a:xfrm>
+          <a:prstGeom prst="roundRect">
+            <a:avLst/>
+          </a:prstGeom>
+          <a:solidFill>
+            <a:schemeClr val="accent4">
+              <a:lumMod val="60000"/>
+              <a:lumOff val="40000"/>
+            </a:schemeClr>
+          </a:solidFill>
+          <a:ln>
+            <a:noFill/>
+          </a:ln>
+          <a:effectLst>
+            <a:outerShdw blurRad="50800" dist="38100" algn="l" rotWithShape="0">
+              <a:prstClr val="black">
+                <a:alpha val="40000"/>
+              </a:prstClr>
+            </a:outerShdw>
+          </a:effectLst>
+        </p:spPr>
+        <p:style>
+          <a:lnRef idx="2">
+            <a:schemeClr val="accent1">
+              <a:lumMod val="75000"/>
+            </a:schemeClr>
+          </a:lnRef>
+          <a:fillRef idx="1">
+            <a:schemeClr val="accent1"/>
+          </a:fillRef>
+          <a:effectRef idx="0">
+            <a:srgbClr val="FFFFFF"/>
+          </a:effectRef>
+          <a:fontRef idx="minor">
+            <a:schemeClr val="lt1"/>
+          </a:fontRef>
+        </p:style>
+        <p:txBody>
+          <a:bodyPr rtlCol="0" anchor="ctr"/>
+          <a:p>
+            <a:pPr algn="ctr"/>
+            <a:endParaRPr lang="zh-CN" altLang="en-US"/>
+          </a:p>
+        </p:txBody>
+      </p:sp>
+      <p:pic>
+        <p:nvPicPr>
+          <p:cNvPr id="4" name="图片 3"/>
+          <p:cNvPicPr>
+            <a:picLocks noChangeAspect="1"/>
+          </p:cNvPicPr>
+          <p:nvPr/>
+        </p:nvPicPr>
+        <p:blipFill>
+          <a:blip r:embed="rId2"/>
+          <a:srcRect t="5067" r="-394" b="13388"/>
+          <a:stretch>
+            <a:fillRect/>
+          </a:stretch>
+        </p:blipFill>
+        <p:spPr>
+          <a:xfrm>
+            <a:off x="1207770" y="803910"/>
+            <a:ext cx="9775825" cy="5314950"/>
+          </a:xfrm>
+          <a:prstGeom prst="rect">
+            <a:avLst/>
+          </a:prstGeom>
+        </p:spPr>
+      </p:pic>
+      <p:sp>
+        <p:nvSpPr>
+          <p:cNvPr id="23" name="文本框 22"/>
+          <p:cNvSpPr txBox="1"/>
+          <p:nvPr>
+            <p:custDataLst>
+              <p:tags r:id="rId3"/>
+            </p:custDataLst>
+          </p:nvPr>
+        </p:nvSpPr>
+        <p:spPr>
+          <a:xfrm>
+            <a:off x="4091940" y="275590"/>
+            <a:ext cx="4100830" cy="521970"/>
+          </a:xfrm>
+          <a:prstGeom prst="rect">
+            <a:avLst/>
+          </a:prstGeom>
+          <a:noFill/>
+        </p:spPr>
+        <p:txBody>
+          <a:bodyPr wrap="square" rtlCol="0">
+            <a:spAutoFit/>
+          </a:bodyPr>
+          <a:p>
+            <a:pPr algn="ctr"/>
+            <a:r>
+              <a:rPr lang="en-US" altLang="zh-CN" sz="2800">
+                <a:solidFill>
+                  <a:schemeClr val="tx1">
+                    <a:lumMod val="85000"/>
+                    <a:lumOff val="15000"/>
+                  </a:schemeClr>
+                </a:solidFill>
+                <a:latin typeface="Times New Roman" panose="02020603050405020304" charset="0"/>
+                <a:cs typeface="Times New Roman" panose="02020603050405020304" charset="0"/>
+              </a:rPr>
+              <a:t>Annual Analysis</a:t>
+            </a:r>
+            <a:endParaRPr lang="en-US" altLang="zh-CN" sz="2800">
+              <a:solidFill>
+                <a:schemeClr val="tx1">
+                  <a:lumMod val="85000"/>
+                  <a:lumOff val="15000"/>
+                </a:schemeClr>
+              </a:solidFill>
+              <a:latin typeface="Times New Roman" panose="02020603050405020304" charset="0"/>
+              <a:cs typeface="Times New Roman" panose="02020603050405020304" charset="0"/>
+            </a:endParaRPr>
+          </a:p>
+        </p:txBody>
+      </p:sp>
+      <p:sp>
+        <p:nvSpPr>
+          <p:cNvPr id="32" name="文本框 31"/>
+          <p:cNvSpPr txBox="1"/>
+          <p:nvPr>
+            <p:custDataLst>
+              <p:tags r:id="rId4"/>
+            </p:custDataLst>
+          </p:nvPr>
+        </p:nvSpPr>
+        <p:spPr>
+          <a:xfrm>
+            <a:off x="6019165" y="6114415"/>
+            <a:ext cx="153035" cy="368300"/>
+          </a:xfrm>
+          <a:prstGeom prst="rect">
+            <a:avLst/>
+          </a:prstGeom>
+          <a:noFill/>
+        </p:spPr>
+        <p:txBody>
+          <a:bodyPr wrap="square" rtlCol="0">
+            <a:spAutoFit/>
+          </a:bodyPr>
+          <a:p>
+            <a:pPr algn="ctr"/>
+            <a:r>
+              <a:rPr lang="en-US" altLang="zh-CN">
+                <a:latin typeface="Times New Roman" panose="02020603050405020304" charset="0"/>
+                <a:cs typeface="Times New Roman" panose="02020603050405020304" charset="0"/>
+              </a:rPr>
+              <a:t>3</a:t>
+            </a:r>
+            <a:endParaRPr lang="en-US" altLang="zh-CN">
+              <a:latin typeface="Times New Roman" panose="02020603050405020304" charset="0"/>
+              <a:cs typeface="Times New Roman" panose="02020603050405020304" charset="0"/>
+            </a:endParaRPr>
+          </a:p>
+        </p:txBody>
+      </p:sp>
+    </p:spTree>
+  </p:cSld>
+  <p:clrMapOvr>
+    <a:masterClrMapping/>
+  </p:clrMapOvr>
+  <mc:AlternateContent xmlns:mc="http://schemas.openxmlformats.org/markup-compatibility/2006" xmlns:p159="http://schemas.microsoft.com/office/powerpoint/2015/09/main">
+    <mc:Choice Requires="p159">
+      <p:transition xmlns:p14="http://schemas.microsoft.com/office/powerpoint/2010/main" spd="slow" p14:dur="2000">
+        <p159:morph option="byObject"/>
+      </p:transition>
+    </mc:Choice>
+    <mc:Fallback>
+      <p:transition spd="slow">
+        <p:fade/>
+      </p:transition>
+    </mc:Fallback>
+  </mc:AlternateContent>
+</p:sld>
+</file>
+
+<file path=ppt/slides/slide11.xml><?xml version="1.0" encoding="utf-8"?>
+<p:sld xmlns:a="http://schemas.openxmlformats.org/drawingml/2006/main" xmlns:r="http://schemas.openxmlformats.org/officeDocument/2006/relationships" xmlns:p="http://schemas.openxmlformats.org/presentationml/2006/main">
+  <p:cSld>
+    <p:bg>
+      <p:bgPr>
+        <a:solidFill>
+          <a:srgbClr val="007E3D"/>
+        </a:solidFill>
+        <a:effectLst/>
+      </p:bgPr>
+    </p:bg>
+    <p:spTree>
+      <p:nvGrpSpPr>
+        <p:cNvPr id="1" name=""/>
+        <p:cNvGrpSpPr/>
+        <p:nvPr/>
+      </p:nvGrpSpPr>
+      <p:grpSpPr/>
+      <p:sp>
+        <p:nvSpPr>
+          <p:cNvPr id="15" name="圆角矩形 14"/>
+          <p:cNvSpPr/>
+          <p:nvPr>
+            <p:custDataLst>
+              <p:tags r:id="rId1"/>
+            </p:custDataLst>
+          </p:nvPr>
+        </p:nvSpPr>
+        <p:spPr>
+          <a:xfrm>
+            <a:off x="4908550" y="275590"/>
+            <a:ext cx="7031355" cy="6299835"/>
+          </a:xfrm>
+          <a:prstGeom prst="roundRect">
+            <a:avLst/>
+          </a:prstGeom>
+          <a:solidFill>
+            <a:srgbClr val="20BBA1"/>
+          </a:solidFill>
+          <a:ln>
+            <a:noFill/>
+          </a:ln>
+          <a:effectLst>
+            <a:outerShdw blurRad="50800" dist="38100" algn="l" rotWithShape="0">
+              <a:prstClr val="black">
+                <a:alpha val="40000"/>
+              </a:prstClr>
+            </a:outerShdw>
+          </a:effectLst>
+        </p:spPr>
+        <p:style>
+          <a:lnRef idx="2">
+            <a:schemeClr val="accent1">
+              <a:lumMod val="75000"/>
+            </a:schemeClr>
+          </a:lnRef>
+          <a:fillRef idx="1">
+            <a:schemeClr val="accent1"/>
+          </a:fillRef>
+          <a:effectRef idx="0">
+            <a:srgbClr val="FFFFFF"/>
+          </a:effectRef>
+          <a:fontRef idx="minor">
+            <a:schemeClr val="lt1"/>
+          </a:fontRef>
+        </p:style>
+        <p:txBody>
+          <a:bodyPr rtlCol="0" anchor="ctr"/>
+          <a:p>
+            <a:pPr algn="ctr"/>
+            <a:endParaRPr lang="zh-CN" altLang="en-US"/>
+          </a:p>
+        </p:txBody>
+      </p:sp>
+      <p:sp>
+        <p:nvSpPr>
+          <p:cNvPr id="14" name="圆角矩形 13"/>
+          <p:cNvSpPr/>
+          <p:nvPr>
+            <p:custDataLst>
+              <p:tags r:id="rId2"/>
+            </p:custDataLst>
+          </p:nvPr>
+        </p:nvSpPr>
+        <p:spPr>
+          <a:xfrm>
+            <a:off x="3380105" y="275590"/>
+            <a:ext cx="1542415" cy="6299835"/>
+          </a:xfrm>
+          <a:prstGeom prst="roundRect">
+            <a:avLst/>
+          </a:prstGeom>
+          <a:solidFill>
+            <a:schemeClr val="accent4">
+              <a:lumMod val="60000"/>
+              <a:lumOff val="40000"/>
+            </a:schemeClr>
+          </a:solidFill>
+          <a:ln>
+            <a:noFill/>
+          </a:ln>
+          <a:effectLst>
+            <a:outerShdw blurRad="50800" dist="38100" algn="l" rotWithShape="0">
+              <a:prstClr val="black">
+                <a:alpha val="40000"/>
+              </a:prstClr>
+            </a:outerShdw>
+          </a:effectLst>
+        </p:spPr>
+        <p:style>
+          <a:lnRef idx="2">
+            <a:schemeClr val="accent1">
+              <a:lumMod val="75000"/>
+            </a:schemeClr>
+          </a:lnRef>
+          <a:fillRef idx="1">
+            <a:schemeClr val="accent1"/>
+          </a:fillRef>
+          <a:effectRef idx="0">
+            <a:srgbClr val="FFFFFF"/>
+          </a:effectRef>
+          <a:fontRef idx="minor">
+            <a:schemeClr val="lt1"/>
+          </a:fontRef>
+        </p:style>
+        <p:txBody>
+          <a:bodyPr rtlCol="0" anchor="ctr"/>
+          <a:p>
+            <a:pPr algn="ctr"/>
+            <a:endParaRPr lang="zh-CN" altLang="en-US"/>
+          </a:p>
+        </p:txBody>
+      </p:sp>
+      <p:sp>
+        <p:nvSpPr>
+          <p:cNvPr id="13" name="圆角矩形 12"/>
+          <p:cNvSpPr/>
+          <p:nvPr>
+            <p:custDataLst>
+              <p:tags r:id="rId3"/>
+            </p:custDataLst>
+          </p:nvPr>
+        </p:nvSpPr>
+        <p:spPr>
+          <a:xfrm>
+            <a:off x="1851660" y="275590"/>
+            <a:ext cx="1520190" cy="6299835"/>
+          </a:xfrm>
+          <a:prstGeom prst="roundRect">
+            <a:avLst/>
+          </a:prstGeom>
+          <a:solidFill>
+            <a:schemeClr val="accent4">
+              <a:lumMod val="40000"/>
+              <a:lumOff val="60000"/>
+            </a:schemeClr>
+          </a:solidFill>
+          <a:ln>
+            <a:noFill/>
+          </a:ln>
+          <a:effectLst>
+            <a:outerShdw blurRad="50800" dist="38100" algn="l" rotWithShape="0">
+              <a:prstClr val="black">
+                <a:alpha val="40000"/>
+              </a:prstClr>
+            </a:outerShdw>
+          </a:effectLst>
+        </p:spPr>
+        <p:style>
+          <a:lnRef idx="2">
+            <a:schemeClr val="accent1">
+              <a:lumMod val="75000"/>
+            </a:schemeClr>
+          </a:lnRef>
+          <a:fillRef idx="1">
+            <a:schemeClr val="accent1"/>
+          </a:fillRef>
+          <a:effectRef idx="0">
+            <a:srgbClr val="FFFFFF"/>
+          </a:effectRef>
+          <a:fontRef idx="minor">
+            <a:schemeClr val="lt1"/>
+          </a:fontRef>
+        </p:style>
+        <p:txBody>
+          <a:bodyPr rtlCol="0" anchor="ctr"/>
+          <a:p>
+            <a:pPr algn="ctr"/>
+            <a:endParaRPr lang="zh-CN" altLang="en-US"/>
+          </a:p>
+        </p:txBody>
+      </p:sp>
+      <p:sp>
+        <p:nvSpPr>
+          <p:cNvPr id="12" name="圆角矩形 11"/>
+          <p:cNvSpPr/>
+          <p:nvPr>
+            <p:custDataLst>
+              <p:tags r:id="rId4"/>
+            </p:custDataLst>
+          </p:nvPr>
+        </p:nvSpPr>
+        <p:spPr>
+          <a:xfrm>
+            <a:off x="351155" y="275590"/>
+            <a:ext cx="1483360" cy="6299835"/>
+          </a:xfrm>
+          <a:prstGeom prst="roundRect">
+            <a:avLst/>
+          </a:prstGeom>
+          <a:solidFill>
+            <a:srgbClr val="A0CDCC"/>
+          </a:solidFill>
+          <a:ln>
+            <a:noFill/>
+          </a:ln>
+          <a:effectLst>
+            <a:outerShdw blurRad="50800" dist="38100" algn="l" rotWithShape="0">
+              <a:prstClr val="black">
+                <a:alpha val="40000"/>
+              </a:prstClr>
+            </a:outerShdw>
+          </a:effectLst>
+        </p:spPr>
+        <p:style>
+          <a:lnRef idx="2">
+            <a:schemeClr val="accent1">
+              <a:lumMod val="75000"/>
+            </a:schemeClr>
+          </a:lnRef>
+          <a:fillRef idx="1">
+            <a:schemeClr val="accent1"/>
+          </a:fillRef>
+          <a:effectRef idx="0">
+            <a:srgbClr val="FFFFFF"/>
+          </a:effectRef>
+          <a:fontRef idx="minor">
+            <a:schemeClr val="lt1"/>
+          </a:fontRef>
+        </p:style>
+        <p:txBody>
+          <a:bodyPr rtlCol="0" anchor="ctr"/>
+          <a:p>
+            <a:pPr algn="ctr"/>
+            <a:endParaRPr lang="zh-CN" altLang="en-US"/>
+          </a:p>
+        </p:txBody>
+      </p:sp>
+      <p:pic>
+        <p:nvPicPr>
+          <p:cNvPr id="17" name="图片 16"/>
+          <p:cNvPicPr>
+            <a:picLocks noChangeAspect="1"/>
+          </p:cNvPicPr>
+          <p:nvPr>
+            <p:custDataLst>
+              <p:tags r:id="rId5"/>
+            </p:custDataLst>
+          </p:nvPr>
+        </p:nvPicPr>
+        <p:blipFill>
+          <a:blip r:embed="rId6"/>
+          <a:stretch>
+            <a:fillRect/>
+          </a:stretch>
+        </p:blipFill>
+        <p:spPr>
+          <a:xfrm>
+            <a:off x="854710" y="718185"/>
+            <a:ext cx="457200" cy="457200"/>
+          </a:xfrm>
+          <a:prstGeom prst="rect">
+            <a:avLst/>
+          </a:prstGeom>
+        </p:spPr>
+      </p:pic>
+      <p:sp>
+        <p:nvSpPr>
+          <p:cNvPr id="18" name="文本框 17"/>
+          <p:cNvSpPr txBox="1"/>
+          <p:nvPr>
+            <p:custDataLst>
+              <p:tags r:id="rId7"/>
+            </p:custDataLst>
+          </p:nvPr>
+        </p:nvSpPr>
+        <p:spPr>
+          <a:xfrm>
+            <a:off x="248920" y="1357630"/>
+            <a:ext cx="1688465" cy="398780"/>
+          </a:xfrm>
+          <a:prstGeom prst="rect">
+            <a:avLst/>
+          </a:prstGeom>
+          <a:noFill/>
+        </p:spPr>
+        <p:txBody>
+          <a:bodyPr wrap="square" rtlCol="0">
+            <a:spAutoFit/>
+          </a:bodyPr>
+          <a:p>
+            <a:pPr algn="ctr"/>
+            <a:r>
+              <a:rPr lang="en-US" altLang="zh-CN" sz="2000">
+                <a:solidFill>
+                  <a:schemeClr val="tx1">
+                    <a:lumMod val="85000"/>
+                    <a:lumOff val="15000"/>
+                  </a:schemeClr>
+                </a:solidFill>
+                <a:latin typeface="Times New Roman" panose="02020603050405020304" charset="0"/>
+                <a:cs typeface="Times New Roman" panose="02020603050405020304" charset="0"/>
+              </a:rPr>
+              <a:t>Background</a:t>
+            </a:r>
+            <a:endParaRPr lang="en-US" altLang="zh-CN" sz="2000">
+              <a:solidFill>
+                <a:schemeClr val="tx1">
+                  <a:lumMod val="85000"/>
+                  <a:lumOff val="15000"/>
+                </a:schemeClr>
+              </a:solidFill>
+              <a:latin typeface="Times New Roman" panose="02020603050405020304" charset="0"/>
+              <a:cs typeface="Times New Roman" panose="02020603050405020304" charset="0"/>
+            </a:endParaRPr>
+          </a:p>
+        </p:txBody>
+      </p:sp>
+      <p:pic>
+        <p:nvPicPr>
+          <p:cNvPr id="20" name="图片 19"/>
+          <p:cNvPicPr>
+            <a:picLocks noChangeAspect="1"/>
+          </p:cNvPicPr>
+          <p:nvPr>
+            <p:custDataLst>
+              <p:tags r:id="rId8"/>
+            </p:custDataLst>
+          </p:nvPr>
+        </p:nvPicPr>
+        <p:blipFill>
+          <a:blip r:embed="rId9"/>
+          <a:stretch>
+            <a:fillRect/>
+          </a:stretch>
+        </p:blipFill>
+        <p:spPr>
+          <a:xfrm>
+            <a:off x="2374265" y="718185"/>
+            <a:ext cx="457200" cy="457200"/>
+          </a:xfrm>
+          <a:prstGeom prst="rect">
+            <a:avLst/>
+          </a:prstGeom>
+        </p:spPr>
+      </p:pic>
+      <p:sp>
+        <p:nvSpPr>
+          <p:cNvPr id="21" name="文本框 20"/>
+          <p:cNvSpPr txBox="1"/>
+          <p:nvPr>
+            <p:custDataLst>
+              <p:tags r:id="rId10"/>
+            </p:custDataLst>
+          </p:nvPr>
+        </p:nvSpPr>
+        <p:spPr>
+          <a:xfrm>
+            <a:off x="1851660" y="1372235"/>
+            <a:ext cx="1548130" cy="398780"/>
+          </a:xfrm>
+          <a:prstGeom prst="rect">
+            <a:avLst/>
+          </a:prstGeom>
+          <a:noFill/>
+        </p:spPr>
+        <p:txBody>
+          <a:bodyPr wrap="square" rtlCol="0">
+            <a:spAutoFit/>
+          </a:bodyPr>
+          <a:p>
+            <a:pPr algn="ctr"/>
+            <a:r>
+              <a:rPr lang="en-US" altLang="zh-CN" sz="2000">
+                <a:solidFill>
+                  <a:schemeClr val="tx1">
+                    <a:lumMod val="85000"/>
+                    <a:lumOff val="15000"/>
+                  </a:schemeClr>
+                </a:solidFill>
+                <a:latin typeface="Times New Roman" panose="02020603050405020304" charset="0"/>
+                <a:cs typeface="Times New Roman" panose="02020603050405020304" charset="0"/>
+              </a:rPr>
+              <a:t>Motivation</a:t>
+            </a:r>
+            <a:endParaRPr lang="en-US" altLang="zh-CN" sz="2000">
+              <a:solidFill>
+                <a:schemeClr val="tx1">
+                  <a:lumMod val="85000"/>
+                  <a:lumOff val="15000"/>
+                </a:schemeClr>
+              </a:solidFill>
+              <a:latin typeface="Times New Roman" panose="02020603050405020304" charset="0"/>
+              <a:cs typeface="Times New Roman" panose="02020603050405020304" charset="0"/>
+            </a:endParaRPr>
+          </a:p>
+        </p:txBody>
+      </p:sp>
+      <p:pic>
+        <p:nvPicPr>
+          <p:cNvPr id="22" name="图片 21"/>
+          <p:cNvPicPr>
+            <a:picLocks noChangeAspect="1"/>
+          </p:cNvPicPr>
+          <p:nvPr>
+            <p:custDataLst>
+              <p:tags r:id="rId11"/>
+            </p:custDataLst>
+          </p:nvPr>
+        </p:nvPicPr>
+        <p:blipFill>
+          <a:blip r:embed="rId12"/>
+          <a:stretch>
+            <a:fillRect/>
+          </a:stretch>
+        </p:blipFill>
+        <p:spPr>
+          <a:xfrm>
+            <a:off x="3911600" y="718185"/>
+            <a:ext cx="457200" cy="457200"/>
+          </a:xfrm>
+          <a:prstGeom prst="rect">
+            <a:avLst/>
+          </a:prstGeom>
+        </p:spPr>
+      </p:pic>
+      <p:sp>
+        <p:nvSpPr>
+          <p:cNvPr id="23" name="文本框 22"/>
+          <p:cNvSpPr txBox="1"/>
+          <p:nvPr>
+            <p:custDataLst>
+              <p:tags r:id="rId13"/>
+            </p:custDataLst>
+          </p:nvPr>
+        </p:nvSpPr>
+        <p:spPr>
+          <a:xfrm>
+            <a:off x="3354705" y="1357630"/>
+            <a:ext cx="1533525" cy="706755"/>
+          </a:xfrm>
+          <a:prstGeom prst="rect">
+            <a:avLst/>
+          </a:prstGeom>
+          <a:noFill/>
+        </p:spPr>
+        <p:txBody>
+          <a:bodyPr wrap="square" rtlCol="0">
+            <a:spAutoFit/>
+          </a:bodyPr>
+          <a:p>
+            <a:pPr algn="ctr"/>
+            <a:r>
+              <a:rPr lang="en-US" altLang="zh-CN" sz="2000">
+                <a:solidFill>
+                  <a:schemeClr val="tx1">
+                    <a:lumMod val="85000"/>
+                    <a:lumOff val="15000"/>
+                  </a:schemeClr>
+                </a:solidFill>
+                <a:latin typeface="Times New Roman" panose="02020603050405020304" charset="0"/>
+                <a:cs typeface="Times New Roman" panose="02020603050405020304" charset="0"/>
+              </a:rPr>
+              <a:t>Annual Analysis</a:t>
+            </a:r>
+            <a:endParaRPr lang="en-US" altLang="zh-CN" sz="2000">
+              <a:solidFill>
+                <a:schemeClr val="tx1">
+                  <a:lumMod val="85000"/>
+                  <a:lumOff val="15000"/>
+                </a:schemeClr>
+              </a:solidFill>
+              <a:latin typeface="Times New Roman" panose="02020603050405020304" charset="0"/>
+              <a:cs typeface="Times New Roman" panose="02020603050405020304" charset="0"/>
+            </a:endParaRPr>
+          </a:p>
+        </p:txBody>
+      </p:sp>
+      <p:pic>
+        <p:nvPicPr>
+          <p:cNvPr id="24" name="图片 23"/>
+          <p:cNvPicPr>
+            <a:picLocks noChangeAspect="1"/>
+          </p:cNvPicPr>
+          <p:nvPr>
+            <p:custDataLst>
+              <p:tags r:id="rId14"/>
+            </p:custDataLst>
+          </p:nvPr>
+        </p:nvPicPr>
+        <p:blipFill>
+          <a:blip r:embed="rId15"/>
+          <a:stretch>
+            <a:fillRect/>
+          </a:stretch>
+        </p:blipFill>
+        <p:spPr>
+          <a:xfrm>
+            <a:off x="8188325" y="718185"/>
+            <a:ext cx="457200" cy="457200"/>
+          </a:xfrm>
+          <a:prstGeom prst="rect">
+            <a:avLst/>
+          </a:prstGeom>
+        </p:spPr>
+      </p:pic>
+      <p:sp>
+        <p:nvSpPr>
+          <p:cNvPr id="25" name="文本框 24"/>
+          <p:cNvSpPr txBox="1"/>
+          <p:nvPr>
+            <p:custDataLst>
+              <p:tags r:id="rId16"/>
+            </p:custDataLst>
+          </p:nvPr>
+        </p:nvSpPr>
+        <p:spPr>
+          <a:xfrm>
+            <a:off x="7177405" y="1357630"/>
+            <a:ext cx="2451100" cy="521970"/>
+          </a:xfrm>
+          <a:prstGeom prst="rect">
+            <a:avLst/>
+          </a:prstGeom>
+          <a:noFill/>
+        </p:spPr>
+        <p:txBody>
+          <a:bodyPr wrap="square" rtlCol="0">
+            <a:spAutoFit/>
+          </a:bodyPr>
+          <a:p>
+            <a:pPr algn="ctr"/>
+            <a:r>
+              <a:rPr lang="en-US" altLang="zh-CN" sz="2800">
+                <a:solidFill>
+                  <a:schemeClr val="tx1">
+                    <a:lumMod val="85000"/>
+                    <a:lumOff val="15000"/>
+                  </a:schemeClr>
+                </a:solidFill>
+                <a:latin typeface="Times New Roman" panose="02020603050405020304" charset="0"/>
+                <a:cs typeface="Times New Roman" panose="02020603050405020304" charset="0"/>
+              </a:rPr>
+              <a:t>User Profiling</a:t>
+            </a:r>
+            <a:endParaRPr lang="en-US" altLang="zh-CN" sz="2800">
+              <a:solidFill>
+                <a:schemeClr val="tx1">
+                  <a:lumMod val="85000"/>
+                  <a:lumOff val="15000"/>
+                </a:schemeClr>
+              </a:solidFill>
+              <a:latin typeface="Times New Roman" panose="02020603050405020304" charset="0"/>
+              <a:cs typeface="Times New Roman" panose="02020603050405020304" charset="0"/>
+            </a:endParaRPr>
+          </a:p>
+        </p:txBody>
+      </p:sp>
+      <p:sp>
+        <p:nvSpPr>
+          <p:cNvPr id="26" name="文本框 25"/>
+          <p:cNvSpPr txBox="1"/>
+          <p:nvPr>
+            <p:custDataLst>
+              <p:tags r:id="rId17"/>
+            </p:custDataLst>
+          </p:nvPr>
+        </p:nvSpPr>
+        <p:spPr>
+          <a:xfrm>
+            <a:off x="344170" y="2738120"/>
+            <a:ext cx="1483360" cy="2798445"/>
+          </a:xfrm>
+          <a:prstGeom prst="rect">
+            <a:avLst/>
+          </a:prstGeom>
+          <a:noFill/>
+        </p:spPr>
+        <p:txBody>
+          <a:bodyPr wrap="square" rtlCol="0">
+            <a:noAutofit/>
+          </a:bodyPr>
+          <a:p>
+            <a:pPr marL="285750" indent="-285750">
+              <a:buFont typeface="Arial" panose="020B0604020202020204" pitchFamily="34" charset="0"/>
+              <a:buChar char="•"/>
+            </a:pPr>
+            <a:r>
+              <a:rPr lang="en-US" altLang="zh-CN" sz="2000">
+                <a:latin typeface="Times New Roman" panose="02020603050405020304" charset="0"/>
+                <a:cs typeface="Times New Roman" panose="02020603050405020304" charset="0"/>
+              </a:rPr>
+              <a:t>Data Source</a:t>
+            </a:r>
+            <a:endParaRPr lang="en-US" altLang="zh-CN" sz="2000">
+              <a:latin typeface="Times New Roman" panose="02020603050405020304" charset="0"/>
+              <a:cs typeface="Times New Roman" panose="02020603050405020304" charset="0"/>
+            </a:endParaRPr>
+          </a:p>
+          <a:p>
+            <a:pPr marL="285750" indent="-285750">
+              <a:buFont typeface="Arial" panose="020B0604020202020204" pitchFamily="34" charset="0"/>
+              <a:buChar char="•"/>
+            </a:pPr>
+            <a:endParaRPr lang="en-US" altLang="zh-CN" sz="2000">
+              <a:latin typeface="Times New Roman" panose="02020603050405020304" charset="0"/>
+              <a:cs typeface="Times New Roman" panose="02020603050405020304" charset="0"/>
+            </a:endParaRPr>
+          </a:p>
+          <a:p>
+            <a:pPr marL="285750" indent="-285750">
+              <a:buFont typeface="Arial" panose="020B0604020202020204" pitchFamily="34" charset="0"/>
+              <a:buChar char="•"/>
+            </a:pPr>
+            <a:r>
+              <a:rPr lang="en-US" altLang="zh-CN" sz="2000">
+                <a:latin typeface="Times New Roman" panose="02020603050405020304" charset="0"/>
+                <a:cs typeface="Times New Roman" panose="02020603050405020304" charset="0"/>
+              </a:rPr>
+              <a:t>Feature</a:t>
+            </a:r>
+            <a:endParaRPr lang="en-US" altLang="zh-CN" sz="2000">
+              <a:latin typeface="Times New Roman" panose="02020603050405020304" charset="0"/>
+              <a:cs typeface="Times New Roman" panose="02020603050405020304" charset="0"/>
+            </a:endParaRPr>
+          </a:p>
+          <a:p>
+            <a:pPr marL="285750" indent="-285750">
+              <a:buFont typeface="Arial" panose="020B0604020202020204" pitchFamily="34" charset="0"/>
+              <a:buChar char="•"/>
+            </a:pPr>
+            <a:endParaRPr lang="en-US" altLang="zh-CN" sz="2000">
+              <a:latin typeface="Times New Roman" panose="02020603050405020304" charset="0"/>
+              <a:cs typeface="Times New Roman" panose="02020603050405020304" charset="0"/>
+            </a:endParaRPr>
+          </a:p>
+          <a:p>
+            <a:pPr marL="285750" indent="-285750">
+              <a:buFont typeface="Arial" panose="020B0604020202020204" pitchFamily="34" charset="0"/>
+              <a:buChar char="•"/>
+            </a:pPr>
+            <a:r>
+              <a:rPr lang="en-US" altLang="zh-CN" sz="2000">
+                <a:latin typeface="Times New Roman" panose="02020603050405020304" charset="0"/>
+                <a:cs typeface="Times New Roman" panose="02020603050405020304" charset="0"/>
+              </a:rPr>
+              <a:t>Ethics</a:t>
+            </a:r>
+            <a:endParaRPr lang="en-US" altLang="zh-CN" sz="2000">
+              <a:latin typeface="Times New Roman" panose="02020603050405020304" charset="0"/>
+              <a:cs typeface="Times New Roman" panose="02020603050405020304" charset="0"/>
+            </a:endParaRPr>
+          </a:p>
+        </p:txBody>
+      </p:sp>
+      <p:sp>
+        <p:nvSpPr>
+          <p:cNvPr id="27" name="文本框 26"/>
+          <p:cNvSpPr txBox="1"/>
+          <p:nvPr>
+            <p:custDataLst>
+              <p:tags r:id="rId18"/>
+            </p:custDataLst>
+          </p:nvPr>
+        </p:nvSpPr>
+        <p:spPr>
+          <a:xfrm>
+            <a:off x="1851660" y="2737485"/>
+            <a:ext cx="1503045" cy="2553970"/>
+          </a:xfrm>
+          <a:prstGeom prst="rect">
+            <a:avLst/>
+          </a:prstGeom>
+          <a:noFill/>
+        </p:spPr>
+        <p:txBody>
+          <a:bodyPr wrap="square" rtlCol="0">
+            <a:noAutofit/>
+          </a:bodyPr>
+          <a:p>
+            <a:pPr marL="285750" indent="-285750">
+              <a:buFont typeface="Arial" panose="020B0604020202020204" pitchFamily="34" charset="0"/>
+              <a:buChar char="•"/>
+            </a:pPr>
+            <a:r>
+              <a:rPr lang="en-US" altLang="zh-CN" sz="2000">
+                <a:latin typeface="Times New Roman" panose="02020603050405020304" charset="0"/>
+                <a:cs typeface="Times New Roman" panose="02020603050405020304" charset="0"/>
+              </a:rPr>
+              <a:t>Annual Analysis</a:t>
+            </a:r>
+            <a:endParaRPr lang="en-US" altLang="zh-CN" sz="2000">
+              <a:latin typeface="Times New Roman" panose="02020603050405020304" charset="0"/>
+              <a:cs typeface="Times New Roman" panose="02020603050405020304" charset="0"/>
+            </a:endParaRPr>
+          </a:p>
+          <a:p>
+            <a:pPr marL="285750" indent="-285750">
+              <a:buFont typeface="Arial" panose="020B0604020202020204" pitchFamily="34" charset="0"/>
+              <a:buChar char="•"/>
+            </a:pPr>
+            <a:endParaRPr lang="en-US" altLang="zh-CN" sz="2000">
+              <a:latin typeface="Times New Roman" panose="02020603050405020304" charset="0"/>
+              <a:cs typeface="Times New Roman" panose="02020603050405020304" charset="0"/>
+            </a:endParaRPr>
+          </a:p>
+          <a:p>
+            <a:pPr marL="285750" indent="-285750">
+              <a:buFont typeface="Arial" panose="020B0604020202020204" pitchFamily="34" charset="0"/>
+              <a:buChar char="•"/>
+            </a:pPr>
+            <a:r>
+              <a:rPr lang="en-US" altLang="zh-CN" sz="2000">
+                <a:latin typeface="Times New Roman" panose="02020603050405020304" charset="0"/>
+                <a:cs typeface="Times New Roman" panose="02020603050405020304" charset="0"/>
+              </a:rPr>
+              <a:t>User Profiling</a:t>
+            </a:r>
+            <a:endParaRPr lang="en-US" altLang="zh-CN" sz="2000">
+              <a:latin typeface="Times New Roman" panose="02020603050405020304" charset="0"/>
+              <a:cs typeface="Times New Roman" panose="02020603050405020304" charset="0"/>
+            </a:endParaRPr>
+          </a:p>
+        </p:txBody>
+      </p:sp>
+      <p:sp>
+        <p:nvSpPr>
+          <p:cNvPr id="28" name="文本框 27"/>
+          <p:cNvSpPr txBox="1"/>
+          <p:nvPr>
+            <p:custDataLst>
+              <p:tags r:id="rId19"/>
+            </p:custDataLst>
+          </p:nvPr>
+        </p:nvSpPr>
+        <p:spPr>
+          <a:xfrm>
+            <a:off x="3354705" y="2738120"/>
+            <a:ext cx="1564005" cy="2553335"/>
+          </a:xfrm>
+          <a:prstGeom prst="rect">
+            <a:avLst/>
+          </a:prstGeom>
+          <a:noFill/>
+        </p:spPr>
+        <p:txBody>
+          <a:bodyPr wrap="square" rtlCol="0">
+            <a:spAutoFit/>
+          </a:bodyPr>
+          <a:p>
+            <a:pPr marL="285750" indent="-285750">
+              <a:buFont typeface="Arial" panose="020B0604020202020204" pitchFamily="34" charset="0"/>
+              <a:buChar char="•"/>
+            </a:pPr>
+            <a:r>
+              <a:rPr lang="en-US" altLang="zh-CN" sz="2000">
+                <a:latin typeface="Times New Roman" panose="02020603050405020304" charset="0"/>
+                <a:cs typeface="Times New Roman" panose="02020603050405020304" charset="0"/>
+              </a:rPr>
+              <a:t>Purchase Trend</a:t>
+            </a:r>
+            <a:endParaRPr lang="en-US" altLang="zh-CN" sz="2000">
+              <a:latin typeface="Times New Roman" panose="02020603050405020304" charset="0"/>
+              <a:cs typeface="Times New Roman" panose="02020603050405020304" charset="0"/>
+            </a:endParaRPr>
+          </a:p>
+          <a:p>
+            <a:pPr marL="285750" indent="-285750">
+              <a:buFont typeface="Arial" panose="020B0604020202020204" pitchFamily="34" charset="0"/>
+              <a:buChar char="•"/>
+            </a:pPr>
+            <a:endParaRPr lang="en-US" altLang="zh-CN" sz="2000">
+              <a:latin typeface="Times New Roman" panose="02020603050405020304" charset="0"/>
+              <a:cs typeface="Times New Roman" panose="02020603050405020304" charset="0"/>
+            </a:endParaRPr>
+          </a:p>
+          <a:p>
+            <a:pPr marL="285750" indent="-285750">
+              <a:buFont typeface="Arial" panose="020B0604020202020204" pitchFamily="34" charset="0"/>
+              <a:buChar char="•"/>
+            </a:pPr>
+            <a:r>
+              <a:rPr lang="en-US" altLang="zh-CN" sz="2000">
+                <a:latin typeface="Times New Roman" panose="02020603050405020304" charset="0"/>
+                <a:cs typeface="Times New Roman" panose="02020603050405020304" charset="0"/>
+              </a:rPr>
+              <a:t>Time Persepecti-ve Service Design</a:t>
+            </a:r>
+            <a:endParaRPr lang="en-US" altLang="zh-CN" sz="2000">
+              <a:latin typeface="Times New Roman" panose="02020603050405020304" charset="0"/>
+              <a:cs typeface="Times New Roman" panose="02020603050405020304" charset="0"/>
+            </a:endParaRPr>
+          </a:p>
+        </p:txBody>
+      </p:sp>
+      <p:sp>
+        <p:nvSpPr>
+          <p:cNvPr id="29" name="文本框 28"/>
+          <p:cNvSpPr txBox="1"/>
+          <p:nvPr>
+            <p:custDataLst>
+              <p:tags r:id="rId20"/>
+            </p:custDataLst>
+          </p:nvPr>
+        </p:nvSpPr>
+        <p:spPr>
+          <a:xfrm>
+            <a:off x="5676265" y="2935605"/>
+            <a:ext cx="5220970" cy="2355850"/>
+          </a:xfrm>
+          <a:prstGeom prst="rect">
+            <a:avLst/>
+          </a:prstGeom>
+          <a:noFill/>
+        </p:spPr>
+        <p:txBody>
+          <a:bodyPr wrap="square" rtlCol="0">
+            <a:noAutofit/>
+          </a:bodyPr>
+          <a:p>
+            <a:pPr marL="285750" indent="-285750">
+              <a:buFont typeface="Arial" panose="020B0604020202020204" pitchFamily="34" charset="0"/>
+              <a:buChar char="•"/>
+            </a:pPr>
+            <a:r>
+              <a:rPr lang="en-US" altLang="zh-CN" sz="2800">
+                <a:latin typeface="Times New Roman" panose="02020603050405020304" charset="0"/>
+                <a:cs typeface="Times New Roman" panose="02020603050405020304" charset="0"/>
+              </a:rPr>
+              <a:t>Customer Types</a:t>
+            </a:r>
+            <a:endParaRPr lang="en-US" altLang="zh-CN" sz="2800">
+              <a:latin typeface="Times New Roman" panose="02020603050405020304" charset="0"/>
+              <a:cs typeface="Times New Roman" panose="02020603050405020304" charset="0"/>
+            </a:endParaRPr>
+          </a:p>
+          <a:p>
+            <a:pPr marL="285750" indent="-285750">
+              <a:buFont typeface="Arial" panose="020B0604020202020204" pitchFamily="34" charset="0"/>
+              <a:buChar char="•"/>
+            </a:pPr>
+            <a:endParaRPr lang="en-US" altLang="zh-CN" sz="2800">
+              <a:latin typeface="Times New Roman" panose="02020603050405020304" charset="0"/>
+              <a:cs typeface="Times New Roman" panose="02020603050405020304" charset="0"/>
+            </a:endParaRPr>
+          </a:p>
+          <a:p>
+            <a:pPr marL="285750" indent="-285750">
+              <a:buFont typeface="Arial" panose="020B0604020202020204" pitchFamily="34" charset="0"/>
+              <a:buChar char="•"/>
+            </a:pPr>
+            <a:r>
+              <a:rPr lang="en-US" altLang="zh-CN" sz="2800">
+                <a:latin typeface="Times New Roman" panose="02020603050405020304" charset="0"/>
+                <a:cs typeface="Times New Roman" panose="02020603050405020304" charset="0"/>
+              </a:rPr>
+              <a:t>New Feature</a:t>
+            </a:r>
+            <a:endParaRPr lang="en-US" altLang="zh-CN" sz="2800">
+              <a:latin typeface="Times New Roman" panose="02020603050405020304" charset="0"/>
+              <a:cs typeface="Times New Roman" panose="02020603050405020304" charset="0"/>
+            </a:endParaRPr>
+          </a:p>
+          <a:p>
+            <a:pPr marL="285750" indent="-285750">
+              <a:buFont typeface="Arial" panose="020B0604020202020204" pitchFamily="34" charset="0"/>
+              <a:buChar char="•"/>
+            </a:pPr>
+            <a:endParaRPr lang="en-US" altLang="zh-CN" sz="2800">
+              <a:latin typeface="Times New Roman" panose="02020603050405020304" charset="0"/>
+              <a:cs typeface="Times New Roman" panose="02020603050405020304" charset="0"/>
+            </a:endParaRPr>
+          </a:p>
+          <a:p>
+            <a:pPr marL="285750" indent="-285750">
+              <a:buFont typeface="Arial" panose="020B0604020202020204" pitchFamily="34" charset="0"/>
+              <a:buChar char="•"/>
+            </a:pPr>
+            <a:r>
+              <a:rPr lang="en-US" altLang="zh-CN" sz="2800">
+                <a:latin typeface="Times New Roman" panose="02020603050405020304" charset="0"/>
+                <a:cs typeface="Times New Roman" panose="02020603050405020304" charset="0"/>
+              </a:rPr>
+              <a:t>DIY Service Design</a:t>
+            </a:r>
+            <a:endParaRPr lang="en-US" altLang="zh-CN" sz="2800">
+              <a:latin typeface="Times New Roman" panose="02020603050405020304" charset="0"/>
+              <a:cs typeface="Times New Roman" panose="02020603050405020304" charset="0"/>
+            </a:endParaRPr>
+          </a:p>
+        </p:txBody>
+      </p:sp>
+      <p:sp>
+        <p:nvSpPr>
+          <p:cNvPr id="30" name="文本框 29"/>
+          <p:cNvSpPr txBox="1"/>
+          <p:nvPr>
+            <p:custDataLst>
+              <p:tags r:id="rId21"/>
+            </p:custDataLst>
+          </p:nvPr>
+        </p:nvSpPr>
+        <p:spPr>
+          <a:xfrm>
+            <a:off x="1021080" y="6120130"/>
+            <a:ext cx="153035" cy="368300"/>
+          </a:xfrm>
+          <a:prstGeom prst="rect">
+            <a:avLst/>
+          </a:prstGeom>
+          <a:noFill/>
+        </p:spPr>
+        <p:txBody>
+          <a:bodyPr wrap="square" rtlCol="0">
+            <a:spAutoFit/>
+          </a:bodyPr>
+          <a:p>
+            <a:pPr algn="ctr"/>
+            <a:r>
+              <a:rPr lang="en-US" altLang="zh-CN">
+                <a:latin typeface="Times New Roman" panose="02020603050405020304" charset="0"/>
+                <a:cs typeface="Times New Roman" panose="02020603050405020304" charset="0"/>
+              </a:rPr>
+              <a:t>1</a:t>
+            </a:r>
+            <a:endParaRPr lang="en-US" altLang="zh-CN">
+              <a:latin typeface="Times New Roman" panose="02020603050405020304" charset="0"/>
+              <a:cs typeface="Times New Roman" panose="02020603050405020304" charset="0"/>
+            </a:endParaRPr>
+          </a:p>
+        </p:txBody>
+      </p:sp>
+      <p:sp>
+        <p:nvSpPr>
+          <p:cNvPr id="31" name="文本框 30"/>
+          <p:cNvSpPr txBox="1"/>
+          <p:nvPr>
+            <p:custDataLst>
+              <p:tags r:id="rId22"/>
+            </p:custDataLst>
+          </p:nvPr>
+        </p:nvSpPr>
+        <p:spPr>
+          <a:xfrm>
+            <a:off x="2548890" y="6120130"/>
+            <a:ext cx="153035" cy="368300"/>
+          </a:xfrm>
+          <a:prstGeom prst="rect">
+            <a:avLst/>
+          </a:prstGeom>
+          <a:noFill/>
+        </p:spPr>
+        <p:txBody>
+          <a:bodyPr wrap="square" rtlCol="0">
+            <a:spAutoFit/>
+          </a:bodyPr>
+          <a:p>
+            <a:pPr algn="ctr"/>
+            <a:r>
+              <a:rPr lang="en-US" altLang="zh-CN">
+                <a:latin typeface="Times New Roman" panose="02020603050405020304" charset="0"/>
+                <a:cs typeface="Times New Roman" panose="02020603050405020304" charset="0"/>
+              </a:rPr>
+              <a:t>2</a:t>
+            </a:r>
+            <a:endParaRPr lang="en-US" altLang="zh-CN">
+              <a:latin typeface="Times New Roman" panose="02020603050405020304" charset="0"/>
+              <a:cs typeface="Times New Roman" panose="02020603050405020304" charset="0"/>
+            </a:endParaRPr>
+          </a:p>
+        </p:txBody>
+      </p:sp>
+      <p:sp>
+        <p:nvSpPr>
+          <p:cNvPr id="32" name="文本框 31"/>
+          <p:cNvSpPr txBox="1"/>
+          <p:nvPr>
+            <p:custDataLst>
+              <p:tags r:id="rId23"/>
+            </p:custDataLst>
+          </p:nvPr>
+        </p:nvSpPr>
+        <p:spPr>
+          <a:xfrm>
+            <a:off x="4060190" y="6114415"/>
+            <a:ext cx="153035" cy="368300"/>
+          </a:xfrm>
+          <a:prstGeom prst="rect">
+            <a:avLst/>
+          </a:prstGeom>
+          <a:noFill/>
+        </p:spPr>
+        <p:txBody>
+          <a:bodyPr wrap="square" rtlCol="0">
+            <a:spAutoFit/>
+          </a:bodyPr>
+          <a:p>
+            <a:pPr algn="ctr"/>
+            <a:r>
+              <a:rPr lang="en-US" altLang="zh-CN">
+                <a:latin typeface="Times New Roman" panose="02020603050405020304" charset="0"/>
+                <a:cs typeface="Times New Roman" panose="02020603050405020304" charset="0"/>
+              </a:rPr>
+              <a:t>3</a:t>
+            </a:r>
+            <a:endParaRPr lang="en-US" altLang="zh-CN">
+              <a:latin typeface="Times New Roman" panose="02020603050405020304" charset="0"/>
+              <a:cs typeface="Times New Roman" panose="02020603050405020304" charset="0"/>
+            </a:endParaRPr>
+          </a:p>
+        </p:txBody>
+      </p:sp>
+      <p:sp>
+        <p:nvSpPr>
+          <p:cNvPr id="33" name="文本框 32"/>
+          <p:cNvSpPr txBox="1"/>
+          <p:nvPr>
+            <p:custDataLst>
+              <p:tags r:id="rId24"/>
+            </p:custDataLst>
+          </p:nvPr>
+        </p:nvSpPr>
+        <p:spPr>
+          <a:xfrm>
+            <a:off x="8340725" y="6114415"/>
+            <a:ext cx="153035" cy="368300"/>
+          </a:xfrm>
+          <a:prstGeom prst="rect">
+            <a:avLst/>
+          </a:prstGeom>
+          <a:noFill/>
+        </p:spPr>
+        <p:txBody>
+          <a:bodyPr wrap="square" rtlCol="0">
+            <a:spAutoFit/>
+          </a:bodyPr>
+          <a:p>
+            <a:pPr algn="ctr"/>
+            <a:r>
+              <a:rPr lang="en-US" altLang="zh-CN">
+                <a:latin typeface="Times New Roman" panose="02020603050405020304" charset="0"/>
+                <a:cs typeface="Times New Roman" panose="02020603050405020304" charset="0"/>
+              </a:rPr>
+              <a:t>4</a:t>
+            </a:r>
+            <a:endParaRPr lang="en-US" altLang="zh-CN">
+              <a:latin typeface="Times New Roman" panose="02020603050405020304" charset="0"/>
+              <a:cs typeface="Times New Roman" panose="02020603050405020304" charset="0"/>
+            </a:endParaRPr>
+          </a:p>
+        </p:txBody>
+      </p:sp>
+    </p:spTree>
+  </p:cSld>
+  <p:clrMapOvr>
+    <a:masterClrMapping/>
+  </p:clrMapOvr>
+  <mc:AlternateContent xmlns:mc="http://schemas.openxmlformats.org/markup-compatibility/2006" xmlns:p159="http://schemas.microsoft.com/office/powerpoint/2015/09/main">
+    <mc:Choice Requires="p159">
+      <p:transition xmlns:p14="http://schemas.microsoft.com/office/powerpoint/2010/main" spd="slow" p14:dur="2000">
+        <p159:morph option="byObject"/>
+      </p:transition>
+    </mc:Choice>
+    <mc:Fallback>
+      <p:transition spd="slow">
+        <p:fade/>
+      </p:transition>
+    </mc:Fallback>
+  </mc:AlternateContent>
+</p:sld>
+</file>
+
+<file path=ppt/slides/slide12.xml><?xml version="1.0" encoding="utf-8"?>
+<p:sld xmlns:a="http://schemas.openxmlformats.org/drawingml/2006/main" xmlns:r="http://schemas.openxmlformats.org/officeDocument/2006/relationships" xmlns:p="http://schemas.openxmlformats.org/presentationml/2006/main">
+  <p:cSld>
+    <p:bg>
+      <p:bgPr>
+        <a:solidFill>
+          <a:srgbClr val="007E3D"/>
+        </a:solidFill>
+        <a:effectLst/>
+      </p:bgPr>
+    </p:bg>
+    <p:spTree>
+      <p:nvGrpSpPr>
+        <p:cNvPr id="1" name=""/>
+        <p:cNvGrpSpPr/>
+        <p:nvPr/>
+      </p:nvGrpSpPr>
+      <p:grpSpPr/>
+      <p:sp>
+        <p:nvSpPr>
+          <p:cNvPr id="15" name="圆角矩形 14"/>
+          <p:cNvSpPr/>
+          <p:nvPr>
+            <p:custDataLst>
+              <p:tags r:id="rId1"/>
+            </p:custDataLst>
+          </p:nvPr>
+        </p:nvSpPr>
+        <p:spPr>
+          <a:xfrm>
+            <a:off x="351155" y="275590"/>
+            <a:ext cx="11581765" cy="6299835"/>
+          </a:xfrm>
+          <a:prstGeom prst="roundRect">
+            <a:avLst/>
+          </a:prstGeom>
+          <a:solidFill>
+            <a:srgbClr val="20BBA1"/>
+          </a:solidFill>
+          <a:ln>
+            <a:noFill/>
+          </a:ln>
+          <a:effectLst>
+            <a:outerShdw blurRad="50800" dist="38100" algn="l" rotWithShape="0">
+              <a:prstClr val="black">
+                <a:alpha val="40000"/>
+              </a:prstClr>
+            </a:outerShdw>
+          </a:effectLst>
+        </p:spPr>
+        <p:style>
+          <a:lnRef idx="2">
+            <a:schemeClr val="accent1">
+              <a:lumMod val="75000"/>
+            </a:schemeClr>
+          </a:lnRef>
+          <a:fillRef idx="1">
+            <a:schemeClr val="accent1"/>
+          </a:fillRef>
+          <a:effectRef idx="0">
+            <a:srgbClr val="FFFFFF"/>
+          </a:effectRef>
+          <a:fontRef idx="minor">
+            <a:schemeClr val="lt1"/>
+          </a:fontRef>
+        </p:style>
+        <p:txBody>
+          <a:bodyPr rtlCol="0" anchor="ctr"/>
+          <a:p>
+            <a:pPr algn="ctr"/>
+            <a:endParaRPr lang="zh-CN" altLang="en-US"/>
+          </a:p>
+        </p:txBody>
+      </p:sp>
+      <p:pic>
+        <p:nvPicPr>
+          <p:cNvPr id="24" name="图片 23"/>
+          <p:cNvPicPr>
+            <a:picLocks noChangeAspect="1"/>
+          </p:cNvPicPr>
+          <p:nvPr>
+            <p:custDataLst>
+              <p:tags r:id="rId2"/>
+            </p:custDataLst>
+          </p:nvPr>
+        </p:nvPicPr>
+        <p:blipFill>
+          <a:blip r:embed="rId3"/>
+          <a:stretch>
+            <a:fillRect/>
+          </a:stretch>
+        </p:blipFill>
+        <p:spPr>
+          <a:xfrm>
+            <a:off x="2299970" y="1879600"/>
+            <a:ext cx="972000" cy="972000"/>
+          </a:xfrm>
+          <a:prstGeom prst="rect">
+            <a:avLst/>
+          </a:prstGeom>
+        </p:spPr>
+      </p:pic>
+      <p:sp>
+        <p:nvSpPr>
+          <p:cNvPr id="25" name="文本框 24"/>
+          <p:cNvSpPr txBox="1"/>
+          <p:nvPr>
+            <p:custDataLst>
+              <p:tags r:id="rId4"/>
+            </p:custDataLst>
+          </p:nvPr>
+        </p:nvSpPr>
+        <p:spPr>
+          <a:xfrm>
+            <a:off x="1560830" y="3429000"/>
+            <a:ext cx="2451100" cy="1198880"/>
+          </a:xfrm>
+          <a:prstGeom prst="rect">
+            <a:avLst/>
+          </a:prstGeom>
+          <a:noFill/>
+        </p:spPr>
+        <p:txBody>
+          <a:bodyPr wrap="square" rtlCol="0">
+            <a:spAutoFit/>
+          </a:bodyPr>
+          <a:p>
+            <a:pPr algn="ctr"/>
+            <a:r>
+              <a:rPr lang="en-US" altLang="zh-CN" sz="3600">
+                <a:solidFill>
+                  <a:schemeClr val="tx1">
+                    <a:lumMod val="85000"/>
+                    <a:lumOff val="15000"/>
+                  </a:schemeClr>
+                </a:solidFill>
+                <a:latin typeface="Times New Roman" panose="02020603050405020304" charset="0"/>
+                <a:cs typeface="Times New Roman" panose="02020603050405020304" charset="0"/>
+              </a:rPr>
+              <a:t>User Profiling</a:t>
+            </a:r>
+            <a:endParaRPr lang="en-US" altLang="zh-CN" sz="3600">
+              <a:solidFill>
+                <a:schemeClr val="tx1">
+                  <a:lumMod val="85000"/>
+                  <a:lumOff val="15000"/>
+                </a:schemeClr>
+              </a:solidFill>
+              <a:latin typeface="Times New Roman" panose="02020603050405020304" charset="0"/>
+              <a:cs typeface="Times New Roman" panose="02020603050405020304" charset="0"/>
+            </a:endParaRPr>
+          </a:p>
+        </p:txBody>
+      </p:sp>
+      <p:sp>
+        <p:nvSpPr>
+          <p:cNvPr id="29" name="文本框 28"/>
+          <p:cNvSpPr txBox="1"/>
+          <p:nvPr>
+            <p:custDataLst>
+              <p:tags r:id="rId5"/>
+            </p:custDataLst>
+          </p:nvPr>
+        </p:nvSpPr>
+        <p:spPr>
+          <a:xfrm>
+            <a:off x="5589905" y="2272030"/>
+            <a:ext cx="5220970" cy="2355850"/>
+          </a:xfrm>
+          <a:prstGeom prst="rect">
+            <a:avLst/>
+          </a:prstGeom>
+          <a:noFill/>
+        </p:spPr>
+        <p:txBody>
+          <a:bodyPr wrap="square" rtlCol="0">
+            <a:noAutofit/>
+          </a:bodyPr>
+          <a:p>
+            <a:pPr marL="285750" indent="-285750">
+              <a:buFont typeface="Arial" panose="020B0604020202020204" pitchFamily="34" charset="0"/>
+              <a:buChar char="•"/>
+            </a:pPr>
+            <a:r>
+              <a:rPr lang="en-US" altLang="zh-CN" sz="2800">
+                <a:latin typeface="Times New Roman" panose="02020603050405020304" charset="0"/>
+                <a:cs typeface="Times New Roman" panose="02020603050405020304" charset="0"/>
+              </a:rPr>
+              <a:t>Customer Types</a:t>
+            </a:r>
+            <a:endParaRPr lang="en-US" altLang="zh-CN" sz="2800">
+              <a:latin typeface="Times New Roman" panose="02020603050405020304" charset="0"/>
+              <a:cs typeface="Times New Roman" panose="02020603050405020304" charset="0"/>
+            </a:endParaRPr>
+          </a:p>
+          <a:p>
+            <a:pPr marL="285750" indent="-285750">
+              <a:buFont typeface="Arial" panose="020B0604020202020204" pitchFamily="34" charset="0"/>
+              <a:buChar char="•"/>
+            </a:pPr>
+            <a:endParaRPr lang="en-US" altLang="zh-CN" sz="2800">
+              <a:latin typeface="Times New Roman" panose="02020603050405020304" charset="0"/>
+              <a:cs typeface="Times New Roman" panose="02020603050405020304" charset="0"/>
+            </a:endParaRPr>
+          </a:p>
+          <a:p>
+            <a:pPr marL="285750" indent="-285750">
+              <a:buFont typeface="Arial" panose="020B0604020202020204" pitchFamily="34" charset="0"/>
+              <a:buChar char="•"/>
+            </a:pPr>
+            <a:r>
+              <a:rPr lang="en-US" altLang="zh-CN" sz="2800">
+                <a:latin typeface="Times New Roman" panose="02020603050405020304" charset="0"/>
+                <a:cs typeface="Times New Roman" panose="02020603050405020304" charset="0"/>
+              </a:rPr>
+              <a:t>New Feature</a:t>
+            </a:r>
+            <a:endParaRPr lang="en-US" altLang="zh-CN" sz="2800">
+              <a:latin typeface="Times New Roman" panose="02020603050405020304" charset="0"/>
+              <a:cs typeface="Times New Roman" panose="02020603050405020304" charset="0"/>
+            </a:endParaRPr>
+          </a:p>
+          <a:p>
+            <a:pPr marL="285750" indent="-285750">
+              <a:buFont typeface="Arial" panose="020B0604020202020204" pitchFamily="34" charset="0"/>
+              <a:buChar char="•"/>
+            </a:pPr>
+            <a:endParaRPr lang="en-US" altLang="zh-CN" sz="2800">
+              <a:latin typeface="Times New Roman" panose="02020603050405020304" charset="0"/>
+              <a:cs typeface="Times New Roman" panose="02020603050405020304" charset="0"/>
+            </a:endParaRPr>
+          </a:p>
+          <a:p>
+            <a:pPr marL="285750" indent="-285750">
+              <a:buFont typeface="Arial" panose="020B0604020202020204" pitchFamily="34" charset="0"/>
+              <a:buChar char="•"/>
+            </a:pPr>
+            <a:r>
+              <a:rPr lang="en-US" altLang="zh-CN" sz="2800">
+                <a:latin typeface="Times New Roman" panose="02020603050405020304" charset="0"/>
+                <a:cs typeface="Times New Roman" panose="02020603050405020304" charset="0"/>
+              </a:rPr>
+              <a:t>DIY Service Design</a:t>
+            </a:r>
+            <a:endParaRPr lang="en-US" altLang="zh-CN" sz="2800">
+              <a:latin typeface="Times New Roman" panose="02020603050405020304" charset="0"/>
+              <a:cs typeface="Times New Roman" panose="02020603050405020304" charset="0"/>
+            </a:endParaRPr>
+          </a:p>
+        </p:txBody>
+      </p:sp>
+      <p:sp>
+        <p:nvSpPr>
+          <p:cNvPr id="33" name="文本框 32"/>
+          <p:cNvSpPr txBox="1"/>
+          <p:nvPr>
+            <p:custDataLst>
+              <p:tags r:id="rId6"/>
+            </p:custDataLst>
+          </p:nvPr>
+        </p:nvSpPr>
+        <p:spPr>
+          <a:xfrm>
+            <a:off x="6019165" y="6114415"/>
+            <a:ext cx="153035" cy="368300"/>
+          </a:xfrm>
+          <a:prstGeom prst="rect">
+            <a:avLst/>
+          </a:prstGeom>
+          <a:noFill/>
+        </p:spPr>
+        <p:txBody>
+          <a:bodyPr wrap="square" rtlCol="0">
+            <a:spAutoFit/>
+          </a:bodyPr>
+          <a:p>
+            <a:pPr algn="ctr"/>
+            <a:r>
+              <a:rPr lang="en-US" altLang="zh-CN">
+                <a:latin typeface="Times New Roman" panose="02020603050405020304" charset="0"/>
+                <a:cs typeface="Times New Roman" panose="02020603050405020304" charset="0"/>
+              </a:rPr>
+              <a:t>4</a:t>
+            </a:r>
+            <a:endParaRPr lang="en-US" altLang="zh-CN">
+              <a:latin typeface="Times New Roman" panose="02020603050405020304" charset="0"/>
+              <a:cs typeface="Times New Roman" panose="02020603050405020304" charset="0"/>
+            </a:endParaRPr>
+          </a:p>
+        </p:txBody>
+      </p:sp>
+    </p:spTree>
+  </p:cSld>
+  <p:clrMapOvr>
+    <a:masterClrMapping/>
+  </p:clrMapOvr>
+  <mc:AlternateContent xmlns:mc="http://schemas.openxmlformats.org/markup-compatibility/2006" xmlns:p159="http://schemas.microsoft.com/office/powerpoint/2015/09/main">
+    <mc:Choice Requires="p159">
+      <p:transition xmlns:p14="http://schemas.microsoft.com/office/powerpoint/2010/main" spd="slow" p14:dur="2000">
+        <p159:morph option="byObject"/>
+      </p:transition>
+    </mc:Choice>
+    <mc:Fallback>
+      <p:transition spd="slow">
+        <p:fade/>
+      </p:transition>
+    </mc:Fallback>
+  </mc:AlternateContent>
+</p:sld>
+</file>
+
+<file path=ppt/slides/slide13.xml><?xml version="1.0" encoding="utf-8"?>
+<p:sld xmlns:a="http://schemas.openxmlformats.org/drawingml/2006/main" xmlns:r="http://schemas.openxmlformats.org/officeDocument/2006/relationships" xmlns:p="http://schemas.openxmlformats.org/presentationml/2006/main">
+  <p:cSld>
+    <p:bg>
+      <p:bgPr>
+        <a:solidFill>
+          <a:srgbClr val="007E3D"/>
+        </a:solidFill>
+        <a:effectLst/>
+      </p:bgPr>
+    </p:bg>
+    <p:spTree>
+      <p:nvGrpSpPr>
+        <p:cNvPr id="1" name=""/>
+        <p:cNvGrpSpPr/>
+        <p:nvPr/>
+      </p:nvGrpSpPr>
+      <p:grpSpPr/>
+      <p:sp>
+        <p:nvSpPr>
+          <p:cNvPr id="15" name="圆角矩形 14"/>
+          <p:cNvSpPr/>
+          <p:nvPr>
+            <p:custDataLst>
+              <p:tags r:id="rId1"/>
+            </p:custDataLst>
+          </p:nvPr>
+        </p:nvSpPr>
+        <p:spPr>
+          <a:xfrm>
+            <a:off x="351155" y="275590"/>
+            <a:ext cx="11581765" cy="6299835"/>
+          </a:xfrm>
+          <a:prstGeom prst="roundRect">
+            <a:avLst/>
+          </a:prstGeom>
+          <a:solidFill>
+            <a:srgbClr val="20BBA1"/>
+          </a:solidFill>
+          <a:ln>
+            <a:noFill/>
+          </a:ln>
+          <a:effectLst>
+            <a:outerShdw blurRad="50800" dist="38100" algn="l" rotWithShape="0">
+              <a:prstClr val="black">
+                <a:alpha val="40000"/>
+              </a:prstClr>
+            </a:outerShdw>
+          </a:effectLst>
+        </p:spPr>
+        <p:style>
+          <a:lnRef idx="2">
+            <a:schemeClr val="accent1">
+              <a:lumMod val="75000"/>
+            </a:schemeClr>
+          </a:lnRef>
+          <a:fillRef idx="1">
+            <a:schemeClr val="accent1"/>
+          </a:fillRef>
+          <a:effectRef idx="0">
+            <a:srgbClr val="FFFFFF"/>
+          </a:effectRef>
+          <a:fontRef idx="minor">
+            <a:schemeClr val="lt1"/>
+          </a:fontRef>
+        </p:style>
+        <p:txBody>
+          <a:bodyPr rtlCol="0" anchor="ctr"/>
+          <a:p>
+            <a:pPr algn="ctr"/>
+            <a:endParaRPr lang="zh-CN" altLang="en-US"/>
+          </a:p>
+        </p:txBody>
+      </p:sp>
+      <p:sp>
+        <p:nvSpPr>
+          <p:cNvPr id="25" name="文本框 24"/>
+          <p:cNvSpPr txBox="1"/>
+          <p:nvPr>
+            <p:custDataLst>
+              <p:tags r:id="rId2"/>
+            </p:custDataLst>
+          </p:nvPr>
+        </p:nvSpPr>
+        <p:spPr>
+          <a:xfrm>
+            <a:off x="4157980" y="375920"/>
+            <a:ext cx="3874770" cy="645160"/>
+          </a:xfrm>
+          <a:prstGeom prst="rect">
+            <a:avLst/>
+          </a:prstGeom>
+          <a:noFill/>
+        </p:spPr>
+        <p:txBody>
+          <a:bodyPr wrap="square" rtlCol="0">
+            <a:spAutoFit/>
+          </a:bodyPr>
+          <a:p>
+            <a:pPr algn="ctr"/>
+            <a:r>
+              <a:rPr lang="en-US" altLang="zh-CN" sz="3600">
+                <a:solidFill>
+                  <a:schemeClr val="tx1">
+                    <a:lumMod val="85000"/>
+                    <a:lumOff val="15000"/>
+                  </a:schemeClr>
+                </a:solidFill>
+                <a:latin typeface="Times New Roman" panose="02020603050405020304" charset="0"/>
+                <a:cs typeface="Times New Roman" panose="02020603050405020304" charset="0"/>
+              </a:rPr>
+              <a:t>User Profiling</a:t>
+            </a:r>
+            <a:endParaRPr lang="en-US" altLang="zh-CN" sz="3600">
+              <a:solidFill>
+                <a:schemeClr val="tx1">
+                  <a:lumMod val="85000"/>
+                  <a:lumOff val="15000"/>
+                </a:schemeClr>
+              </a:solidFill>
+              <a:latin typeface="Times New Roman" panose="02020603050405020304" charset="0"/>
+              <a:cs typeface="Times New Roman" panose="02020603050405020304" charset="0"/>
+            </a:endParaRPr>
+          </a:p>
+        </p:txBody>
+      </p:sp>
+      <p:sp>
+        <p:nvSpPr>
+          <p:cNvPr id="33" name="文本框 32"/>
+          <p:cNvSpPr txBox="1"/>
+          <p:nvPr>
+            <p:custDataLst>
+              <p:tags r:id="rId3"/>
+            </p:custDataLst>
+          </p:nvPr>
+        </p:nvSpPr>
+        <p:spPr>
+          <a:xfrm>
+            <a:off x="6019165" y="6114415"/>
+            <a:ext cx="153035" cy="368300"/>
+          </a:xfrm>
+          <a:prstGeom prst="rect">
+            <a:avLst/>
+          </a:prstGeom>
+          <a:noFill/>
+        </p:spPr>
+        <p:txBody>
+          <a:bodyPr wrap="square" rtlCol="0">
+            <a:spAutoFit/>
+          </a:bodyPr>
+          <a:p>
+            <a:pPr algn="ctr"/>
+            <a:r>
+              <a:rPr lang="en-US" altLang="zh-CN">
+                <a:latin typeface="Times New Roman" panose="02020603050405020304" charset="0"/>
+                <a:cs typeface="Times New Roman" panose="02020603050405020304" charset="0"/>
+              </a:rPr>
+              <a:t>4</a:t>
+            </a:r>
+            <a:endParaRPr lang="en-US" altLang="zh-CN">
+              <a:latin typeface="Times New Roman" panose="02020603050405020304" charset="0"/>
+              <a:cs typeface="Times New Roman" panose="02020603050405020304" charset="0"/>
+            </a:endParaRPr>
+          </a:p>
+        </p:txBody>
+      </p:sp>
+      <p:pic>
+        <p:nvPicPr>
+          <p:cNvPr id="2" name="图片 1"/>
+          <p:cNvPicPr>
+            <a:picLocks noChangeAspect="1"/>
+          </p:cNvPicPr>
+          <p:nvPr/>
+        </p:nvPicPr>
+        <p:blipFill>
+          <a:blip r:embed="rId4"/>
+          <a:srcRect r="23440"/>
+          <a:stretch>
+            <a:fillRect/>
+          </a:stretch>
+        </p:blipFill>
+        <p:spPr>
+          <a:xfrm>
+            <a:off x="4739640" y="3269615"/>
+            <a:ext cx="2710815" cy="879475"/>
+          </a:xfrm>
+          <a:prstGeom prst="rect">
+            <a:avLst/>
+          </a:prstGeom>
+        </p:spPr>
+      </p:pic>
+      <p:pic>
+        <p:nvPicPr>
+          <p:cNvPr id="3" name="图片 2"/>
+          <p:cNvPicPr>
+            <a:picLocks noChangeAspect="1"/>
+          </p:cNvPicPr>
+          <p:nvPr/>
+        </p:nvPicPr>
+        <p:blipFill>
+          <a:blip r:embed="rId5"/>
+          <a:srcRect r="22712"/>
+          <a:stretch>
+            <a:fillRect/>
+          </a:stretch>
+        </p:blipFill>
+        <p:spPr>
+          <a:xfrm>
+            <a:off x="8174990" y="3187065"/>
+            <a:ext cx="2606040" cy="1044575"/>
+          </a:xfrm>
+          <a:prstGeom prst="rect">
+            <a:avLst/>
+          </a:prstGeom>
+        </p:spPr>
+      </p:pic>
+      <p:pic>
+        <p:nvPicPr>
+          <p:cNvPr id="4" name="图片 3"/>
+          <p:cNvPicPr>
+            <a:picLocks noChangeAspect="1"/>
+          </p:cNvPicPr>
+          <p:nvPr/>
+        </p:nvPicPr>
+        <p:blipFill>
+          <a:blip r:embed="rId6"/>
+          <a:stretch>
+            <a:fillRect/>
+          </a:stretch>
+        </p:blipFill>
+        <p:spPr>
+          <a:xfrm>
+            <a:off x="918845" y="2758440"/>
+            <a:ext cx="3096260" cy="1901825"/>
+          </a:xfrm>
+          <a:prstGeom prst="rect">
+            <a:avLst/>
+          </a:prstGeom>
+        </p:spPr>
+      </p:pic>
+      <p:sp>
+        <p:nvSpPr>
+          <p:cNvPr id="5" name="文本框 4"/>
+          <p:cNvSpPr txBox="1"/>
+          <p:nvPr/>
+        </p:nvSpPr>
+        <p:spPr>
+          <a:xfrm>
+            <a:off x="1365250" y="2107565"/>
+            <a:ext cx="2204085" cy="368300"/>
+          </a:xfrm>
+          <a:prstGeom prst="rect">
+            <a:avLst/>
+          </a:prstGeom>
+          <a:noFill/>
+        </p:spPr>
+        <p:txBody>
+          <a:bodyPr wrap="square" rtlCol="0">
+            <a:spAutoFit/>
+          </a:bodyPr>
+          <a:p>
+            <a:pPr algn="ctr"/>
+            <a:r>
+              <a:rPr lang="en-US" altLang="zh-CN">
+                <a:latin typeface="Times New Roman" panose="02020603050405020304" charset="0"/>
+                <a:cs typeface="Times New Roman" panose="02020603050405020304" charset="0"/>
+              </a:rPr>
+              <a:t>Customers Types</a:t>
+            </a:r>
+            <a:endParaRPr lang="en-US" altLang="zh-CN">
+              <a:latin typeface="Times New Roman" panose="02020603050405020304" charset="0"/>
+              <a:cs typeface="Times New Roman" panose="02020603050405020304" charset="0"/>
+            </a:endParaRPr>
+          </a:p>
+        </p:txBody>
+      </p:sp>
+      <p:sp>
+        <p:nvSpPr>
+          <p:cNvPr id="6" name="文本框 5"/>
+          <p:cNvSpPr txBox="1"/>
+          <p:nvPr/>
+        </p:nvSpPr>
+        <p:spPr>
+          <a:xfrm>
+            <a:off x="5039995" y="2049780"/>
+            <a:ext cx="2204085" cy="368300"/>
+          </a:xfrm>
+          <a:prstGeom prst="rect">
+            <a:avLst/>
+          </a:prstGeom>
+          <a:noFill/>
+        </p:spPr>
+        <p:txBody>
+          <a:bodyPr wrap="square" rtlCol="0">
+            <a:spAutoFit/>
+          </a:bodyPr>
+          <a:p>
+            <a:pPr algn="ctr"/>
+            <a:r>
+              <a:rPr lang="en-US" altLang="zh-CN">
+                <a:latin typeface="Times New Roman" panose="02020603050405020304" charset="0"/>
+                <a:cs typeface="Times New Roman" panose="02020603050405020304" charset="0"/>
+              </a:rPr>
+              <a:t>Outliers</a:t>
+            </a:r>
+            <a:endParaRPr lang="en-US" altLang="zh-CN">
+              <a:latin typeface="Times New Roman" panose="02020603050405020304" charset="0"/>
+              <a:cs typeface="Times New Roman" panose="02020603050405020304" charset="0"/>
+            </a:endParaRPr>
+          </a:p>
+        </p:txBody>
+      </p:sp>
+      <p:sp>
+        <p:nvSpPr>
+          <p:cNvPr id="7" name="文本框 6"/>
+          <p:cNvSpPr txBox="1"/>
+          <p:nvPr/>
+        </p:nvSpPr>
+        <p:spPr>
+          <a:xfrm>
+            <a:off x="8375650" y="2049780"/>
+            <a:ext cx="2204085" cy="368300"/>
+          </a:xfrm>
+          <a:prstGeom prst="rect">
+            <a:avLst/>
+          </a:prstGeom>
+          <a:noFill/>
+        </p:spPr>
+        <p:txBody>
+          <a:bodyPr wrap="square" rtlCol="0">
+            <a:spAutoFit/>
+          </a:bodyPr>
+          <a:p>
+            <a:pPr algn="ctr"/>
+            <a:r>
+              <a:rPr lang="en-US" altLang="zh-CN">
+                <a:latin typeface="Times New Roman" panose="02020603050405020304" charset="0"/>
+                <a:cs typeface="Times New Roman" panose="02020603050405020304" charset="0"/>
+              </a:rPr>
+              <a:t>Fraud Prediction</a:t>
+            </a:r>
+            <a:endParaRPr lang="en-US" altLang="zh-CN">
+              <a:latin typeface="Times New Roman" panose="02020603050405020304" charset="0"/>
+              <a:cs typeface="Times New Roman" panose="02020603050405020304" charset="0"/>
+            </a:endParaRPr>
+          </a:p>
+        </p:txBody>
+      </p:sp>
+    </p:spTree>
+  </p:cSld>
+  <p:clrMapOvr>
+    <a:masterClrMapping/>
+  </p:clrMapOvr>
+  <mc:AlternateContent xmlns:mc="http://schemas.openxmlformats.org/markup-compatibility/2006" xmlns:p159="http://schemas.microsoft.com/office/powerpoint/2015/09/main">
+    <mc:Choice Requires="p159">
+      <p:transition xmlns:p14="http://schemas.microsoft.com/office/powerpoint/2010/main" spd="slow" p14:dur="2000">
+        <p159:morph option="byObject"/>
+      </p:transition>
+    </mc:Choice>
+    <mc:Fallback>
+      <p:transition spd="slow">
+        <p:fade/>
+      </p:transition>
+    </mc:Fallback>
+  </mc:AlternateContent>
+</p:sld>
+</file>
+
+<file path=ppt/slides/slide14.xml><?xml version="1.0" encoding="utf-8"?>
+<p:sld xmlns:a="http://schemas.openxmlformats.org/drawingml/2006/main" xmlns:r="http://schemas.openxmlformats.org/officeDocument/2006/relationships" xmlns:p="http://schemas.openxmlformats.org/presentationml/2006/main">
+  <p:cSld>
+    <p:bg>
+      <p:bgPr>
+        <a:solidFill>
+          <a:srgbClr val="007E3D"/>
+        </a:solidFill>
+        <a:effectLst/>
+      </p:bgPr>
+    </p:bg>
+    <p:spTree>
+      <p:nvGrpSpPr>
+        <p:cNvPr id="1" name=""/>
+        <p:cNvGrpSpPr/>
+        <p:nvPr/>
+      </p:nvGrpSpPr>
+      <p:grpSpPr/>
+      <p:sp>
+        <p:nvSpPr>
+          <p:cNvPr id="15" name="圆角矩形 14"/>
+          <p:cNvSpPr/>
+          <p:nvPr>
+            <p:custDataLst>
+              <p:tags r:id="rId1"/>
+            </p:custDataLst>
+          </p:nvPr>
+        </p:nvSpPr>
+        <p:spPr>
+          <a:xfrm>
+            <a:off x="351155" y="275590"/>
+            <a:ext cx="11581765" cy="6299835"/>
+          </a:xfrm>
+          <a:prstGeom prst="roundRect">
+            <a:avLst/>
+          </a:prstGeom>
+          <a:solidFill>
+            <a:schemeClr val="accent5">
+              <a:lumMod val="40000"/>
+              <a:lumOff val="60000"/>
+            </a:schemeClr>
+          </a:solidFill>
+          <a:ln>
+            <a:noFill/>
+          </a:ln>
+          <a:effectLst>
+            <a:outerShdw blurRad="50800" dist="38100" algn="l" rotWithShape="0">
+              <a:prstClr val="black">
+                <a:alpha val="40000"/>
+              </a:prstClr>
+            </a:outerShdw>
+          </a:effectLst>
+        </p:spPr>
+        <p:style>
+          <a:lnRef idx="2">
+            <a:schemeClr val="accent1">
+              <a:lumMod val="75000"/>
+            </a:schemeClr>
+          </a:lnRef>
+          <a:fillRef idx="1">
+            <a:schemeClr val="accent1"/>
+          </a:fillRef>
+          <a:effectRef idx="0">
+            <a:srgbClr val="FFFFFF"/>
+          </a:effectRef>
+          <a:fontRef idx="minor">
+            <a:schemeClr val="lt1"/>
+          </a:fontRef>
+        </p:style>
+        <p:txBody>
+          <a:bodyPr rtlCol="0" anchor="ctr"/>
+          <a:p>
+            <a:pPr algn="ctr"/>
+            <a:endParaRPr lang="zh-CN" altLang="en-US"/>
+          </a:p>
+        </p:txBody>
+      </p:sp>
+      <p:pic>
+        <p:nvPicPr>
+          <p:cNvPr id="2" name="图片 1"/>
+          <p:cNvPicPr>
+            <a:picLocks noChangeAspect="1"/>
+          </p:cNvPicPr>
+          <p:nvPr/>
+        </p:nvPicPr>
+        <p:blipFill>
+          <a:blip r:embed="rId2"/>
+          <a:stretch>
+            <a:fillRect/>
+          </a:stretch>
+        </p:blipFill>
+        <p:spPr>
+          <a:xfrm>
+            <a:off x="5655945" y="862965"/>
+            <a:ext cx="972000" cy="972000"/>
+          </a:xfrm>
+          <a:prstGeom prst="rect">
+            <a:avLst/>
+          </a:prstGeom>
+        </p:spPr>
+      </p:pic>
+      <p:sp>
+        <p:nvSpPr>
+          <p:cNvPr id="3" name="文本框 2"/>
+          <p:cNvSpPr txBox="1"/>
+          <p:nvPr/>
+        </p:nvSpPr>
+        <p:spPr>
+          <a:xfrm>
+            <a:off x="4064000" y="2959735"/>
+            <a:ext cx="4064000" cy="829945"/>
+          </a:xfrm>
+          <a:prstGeom prst="rect">
+            <a:avLst/>
+          </a:prstGeom>
+          <a:noFill/>
+        </p:spPr>
+        <p:txBody>
+          <a:bodyPr wrap="square" rtlCol="0">
+            <a:spAutoFit/>
+          </a:bodyPr>
+          <a:p>
+            <a:pPr algn="ctr"/>
+            <a:r>
+              <a:rPr lang="en-US" altLang="zh-CN" sz="4800">
+                <a:latin typeface="Times New Roman" panose="02020603050405020304" charset="0"/>
+                <a:cs typeface="Times New Roman" panose="02020603050405020304" charset="0"/>
+              </a:rPr>
+              <a:t>Future Plan</a:t>
+            </a:r>
+            <a:endParaRPr lang="en-US" altLang="zh-CN" sz="4800">
+              <a:latin typeface="Times New Roman" panose="02020603050405020304" charset="0"/>
+              <a:cs typeface="Times New Roman" panose="02020603050405020304" charset="0"/>
+            </a:endParaRPr>
+          </a:p>
+        </p:txBody>
+      </p:sp>
+    </p:spTree>
+  </p:cSld>
+  <p:clrMapOvr>
+    <a:masterClrMapping/>
+  </p:clrMapOvr>
+  <mc:AlternateContent xmlns:mc="http://schemas.openxmlformats.org/markup-compatibility/2006" xmlns:p159="http://schemas.microsoft.com/office/powerpoint/2015/09/main">
+    <mc:Choice Requires="p159">
+      <p:transition xmlns:p14="http://schemas.microsoft.com/office/powerpoint/2010/main" spd="slow" p14:dur="2000">
+        <p159:morph option="byObject"/>
+      </p:transition>
+    </mc:Choice>
+    <mc:Fallback>
+      <p:transition spd="slow">
+        <p:fade/>
+      </p:transition>
+    </mc:Fallback>
+  </mc:AlternateContent>
+</p:sld>
+</file>
+
+<file path=ppt/slides/slide15.xml><?xml version="1.0" encoding="utf-8"?>
+<p:sld xmlns:a="http://schemas.openxmlformats.org/drawingml/2006/main" xmlns:r="http://schemas.openxmlformats.org/officeDocument/2006/relationships" xmlns:p="http://schemas.openxmlformats.org/presentationml/2006/main">
+  <p:cSld>
+    <p:bg>
+      <p:bgPr>
+        <a:solidFill>
+          <a:srgbClr val="007E3D"/>
+        </a:solidFill>
+        <a:effectLst/>
+      </p:bgPr>
+    </p:bg>
+    <p:spTree>
+      <p:nvGrpSpPr>
+        <p:cNvPr id="1" name=""/>
+        <p:cNvGrpSpPr/>
+        <p:nvPr/>
+      </p:nvGrpSpPr>
+      <p:grpSpPr/>
+      <p:sp>
+        <p:nvSpPr>
+          <p:cNvPr id="15" name="圆角矩形 14"/>
+          <p:cNvSpPr/>
+          <p:nvPr>
+            <p:custDataLst>
+              <p:tags r:id="rId1"/>
+            </p:custDataLst>
+          </p:nvPr>
+        </p:nvSpPr>
+        <p:spPr>
+          <a:xfrm>
+            <a:off x="351155" y="275590"/>
+            <a:ext cx="11581765" cy="6299835"/>
+          </a:xfrm>
+          <a:prstGeom prst="roundRect">
+            <a:avLst/>
+          </a:prstGeom>
+          <a:solidFill>
+            <a:schemeClr val="accent5">
+              <a:lumMod val="60000"/>
+              <a:lumOff val="40000"/>
+            </a:schemeClr>
+          </a:solidFill>
+          <a:ln>
+            <a:noFill/>
+          </a:ln>
+          <a:effectLst>
+            <a:outerShdw blurRad="50800" dist="38100" algn="l" rotWithShape="0">
+              <a:prstClr val="black">
+                <a:alpha val="40000"/>
+              </a:prstClr>
+            </a:outerShdw>
+          </a:effectLst>
+        </p:spPr>
+        <p:style>
+          <a:lnRef idx="2">
+            <a:schemeClr val="accent1">
+              <a:lumMod val="75000"/>
+            </a:schemeClr>
+          </a:lnRef>
+          <a:fillRef idx="1">
+            <a:schemeClr val="accent1"/>
+          </a:fillRef>
+          <a:effectRef idx="0">
+            <a:srgbClr val="FFFFFF"/>
+          </a:effectRef>
+          <a:fontRef idx="minor">
+            <a:schemeClr val="lt1"/>
+          </a:fontRef>
+        </p:style>
+        <p:txBody>
+          <a:bodyPr rtlCol="0" anchor="ctr"/>
+          <a:p>
+            <a:pPr algn="ctr"/>
+            <a:endParaRPr lang="zh-CN" altLang="en-US"/>
+          </a:p>
+        </p:txBody>
+      </p:sp>
+      <p:sp>
+        <p:nvSpPr>
+          <p:cNvPr id="3" name="文本框 2"/>
+          <p:cNvSpPr txBox="1"/>
+          <p:nvPr/>
+        </p:nvSpPr>
+        <p:spPr>
+          <a:xfrm>
+            <a:off x="4064000" y="2959735"/>
+            <a:ext cx="4064000" cy="829945"/>
+          </a:xfrm>
+          <a:prstGeom prst="rect">
+            <a:avLst/>
+          </a:prstGeom>
+          <a:noFill/>
+        </p:spPr>
+        <p:txBody>
+          <a:bodyPr wrap="square" rtlCol="0">
+            <a:spAutoFit/>
+          </a:bodyPr>
+          <a:p>
+            <a:pPr algn="ctr"/>
+            <a:r>
+              <a:rPr lang="en-US" altLang="zh-CN" sz="4800">
+                <a:latin typeface="Times New Roman" panose="02020603050405020304" charset="0"/>
+                <a:cs typeface="Times New Roman" panose="02020603050405020304" charset="0"/>
+              </a:rPr>
+              <a:t>Any Questions?</a:t>
+            </a:r>
+            <a:endParaRPr lang="en-US" altLang="zh-CN" sz="4800">
+              <a:latin typeface="Times New Roman" panose="02020603050405020304" charset="0"/>
+              <a:cs typeface="Times New Roman" panose="02020603050405020304" charset="0"/>
+            </a:endParaRPr>
+          </a:p>
+        </p:txBody>
+      </p:sp>
+      <p:pic>
+        <p:nvPicPr>
+          <p:cNvPr id="4" name="图片 3"/>
+          <p:cNvPicPr>
+            <a:picLocks noChangeAspect="1"/>
+          </p:cNvPicPr>
+          <p:nvPr/>
+        </p:nvPicPr>
+        <p:blipFill>
+          <a:blip r:embed="rId2"/>
+          <a:stretch>
+            <a:fillRect/>
+          </a:stretch>
+        </p:blipFill>
+        <p:spPr>
+          <a:xfrm>
+            <a:off x="5655945" y="833120"/>
+            <a:ext cx="972000" cy="972000"/>
+          </a:xfrm>
+          <a:prstGeom prst="rect">
+            <a:avLst/>
+          </a:prstGeom>
+        </p:spPr>
+      </p:pic>
+    </p:spTree>
+  </p:cSld>
+  <p:clrMapOvr>
+    <a:masterClrMapping/>
+  </p:clrMapOvr>
+  <mc:AlternateContent xmlns:mc="http://schemas.openxmlformats.org/markup-compatibility/2006" xmlns:p159="http://schemas.microsoft.com/office/powerpoint/2015/09/main">
+    <mc:Choice Requires="p159">
+      <p:transition xmlns:p14="http://schemas.microsoft.com/office/powerpoint/2010/main" spd="slow" p14:dur="2000">
+        <p159:morph option="byObject"/>
+      </p:transition>
+    </mc:Choice>
+    <mc:Fallback>
+      <p:transition spd="slow">
+        <p:fade/>
+      </p:transition>
+    </mc:Fallback>
+  </mc:AlternateContent>
+</p:sld>
+</file>
+
 <file path=ppt/slides/slide16.xml><?xml version="1.0" encoding="utf-8"?>
 <p:sld xmlns:a="http://schemas.openxmlformats.org/drawingml/2006/main" xmlns:r="http://schemas.openxmlformats.org/officeDocument/2006/relationships" xmlns:p="http://schemas.openxmlformats.org/presentationml/2006/main">
   <p:cSld>
+    <p:bg>
+      <p:bgPr>
+        <a:solidFill>
+          <a:schemeClr val="bg1"/>
+        </a:solidFill>
+        <a:effectLst/>
+      </p:bgPr>
+    </p:bg>
     <p:spTree>
       <p:nvGrpSpPr>
         <p:cNvPr id="1" name=""/>
@@ -5398,7 +5477,7 @@
             <a:gdLst/>
             <a:ahLst/>
             <a:cxnLst>
-              <a:cxn ang="3cd4">
+              <a:cxn ang="3">
                 <a:pos x="hc" y="t"/>
               </a:cxn>
               <a:cxn ang="cd2">
@@ -5886,7 +5965,7 @@
               <a:gdLst/>
               <a:ahLst/>
               <a:cxnLst>
-                <a:cxn ang="3cd4">
+                <a:cxn ang="3">
                   <a:pos x="hc" y="t"/>
                 </a:cxn>
                 <a:cxn ang="cd2">
@@ -6710,7 +6789,7 @@
     <p:bg>
       <p:bgPr>
         <a:solidFill>
-          <a:srgbClr val="01847F"/>
+          <a:srgbClr val="007E3D"/>
         </a:solidFill>
         <a:effectLst/>
       </p:bgPr>
@@ -7799,7 +7878,7 @@
     <p:bg>
       <p:bgPr>
         <a:solidFill>
-          <a:srgbClr val="01847F"/>
+          <a:srgbClr val="007E3D"/>
         </a:solidFill>
         <a:effectLst/>
       </p:bgPr>
@@ -8888,7 +8967,7 @@
     <p:bg>
       <p:bgPr>
         <a:solidFill>
-          <a:srgbClr val="01847F"/>
+          <a:srgbClr val="007E3D"/>
         </a:solidFill>
         <a:effectLst/>
       </p:bgPr>
@@ -9977,7 +10056,7 @@
     <p:bg>
       <p:bgPr>
         <a:solidFill>
-          <a:srgbClr val="01847F"/>
+          <a:srgbClr val="007E3D"/>
         </a:solidFill>
         <a:effectLst/>
       </p:bgPr>
@@ -10417,7 +10496,7 @@
     <p:bg>
       <p:bgPr>
         <a:solidFill>
-          <a:srgbClr val="01847F"/>
+          <a:srgbClr val="007E3D"/>
         </a:solidFill>
         <a:effectLst/>
       </p:bgPr>
@@ -11506,7 +11585,7 @@
     <p:bg>
       <p:bgPr>
         <a:solidFill>
-          <a:srgbClr val="01847F"/>
+          <a:srgbClr val="007E3D"/>
         </a:solidFill>
         <a:effectLst/>
       </p:bgPr>
@@ -11899,7 +11978,7 @@
     <p:bg>
       <p:bgPr>
         <a:solidFill>
-          <a:srgbClr val="01847F"/>
+          <a:srgbClr val="007E3D"/>
         </a:solidFill>
         <a:effectLst/>
       </p:bgPr>
@@ -12981,7 +13060,7 @@
     <p:bg>
       <p:bgPr>
         <a:solidFill>
-          <a:srgbClr val="01847F"/>
+          <a:srgbClr val="007E3D"/>
         </a:solidFill>
         <a:effectLst/>
       </p:bgPr>
@@ -13645,37 +13724,13 @@
 
 <file path=ppt/tags/tag149.xml><?xml version="1.0" encoding="utf-8"?>
 <p:tagLst xmlns:p="http://schemas.openxmlformats.org/presentationml/2006/main">
-  <p:tag name="KSO_WM_DIAGRAM_VIRTUALLY_FRAME" val="{&quot;height&quot;:496.06299212598424,&quot;left&quot;:24.3,&quot;top&quot;:21.7,&quot;width&quot;:929.3}"/>
+  <p:tag name="commondata" val="eyJoZGlkIjoiM2FkOWI5OTljNmEzZmNhN2UxMDY3ZGRiOGI1MTg1NzkifQ=="/>
 </p:tagLst>
 </file>
 
 <file path=ppt/tags/tag15.xml><?xml version="1.0" encoding="utf-8"?>
 <p:tagLst xmlns:p="http://schemas.openxmlformats.org/presentationml/2006/main">
   <p:tag name="KSO_WM_DIAGRAM_VIRTUALLY_FRAME" val="{&quot;height&quot;:496.06299212598424,&quot;left&quot;:24.3,&quot;top&quot;:21.7,&quot;width&quot;:915.2988188976378}"/>
-</p:tagLst>
-</file>
-
-<file path=ppt/tags/tag150.xml><?xml version="1.0" encoding="utf-8"?>
-<p:tagLst xmlns:p="http://schemas.openxmlformats.org/presentationml/2006/main">
-  <p:tag name="KSO_WM_DIAGRAM_VIRTUALLY_FRAME" val="{&quot;height&quot;:496.06299212598424,&quot;left&quot;:24.3,&quot;top&quot;:21.7,&quot;width&quot;:929.3}"/>
-</p:tagLst>
-</file>
-
-<file path=ppt/tags/tag151.xml><?xml version="1.0" encoding="utf-8"?>
-<p:tagLst xmlns:p="http://schemas.openxmlformats.org/presentationml/2006/main">
-  <p:tag name="KSO_WM_DIAGRAM_VIRTUALLY_FRAME" val="{&quot;height&quot;:496.06299212598424,&quot;left&quot;:24.3,&quot;top&quot;:21.7,&quot;width&quot;:929.3}"/>
-</p:tagLst>
-</file>
-
-<file path=ppt/tags/tag152.xml><?xml version="1.0" encoding="utf-8"?>
-<p:tagLst xmlns:p="http://schemas.openxmlformats.org/presentationml/2006/main">
-  <p:tag name="KSO_WM_DIAGRAM_VIRTUALLY_FRAME" val="{&quot;height&quot;:496.06299212598424,&quot;left&quot;:24.3,&quot;top&quot;:21.7,&quot;width&quot;:929.3}"/>
-</p:tagLst>
-</file>
-
-<file path=ppt/tags/tag153.xml><?xml version="1.0" encoding="utf-8"?>
-<p:tagLst xmlns:p="http://schemas.openxmlformats.org/presentationml/2006/main">
-  <p:tag name="commondata" val="eyJoZGlkIjoiM2FkOWI5OTljNmEzZmNhN2UxMDY3ZGRiOGI1MTg1NzkifQ=="/>
 </p:tagLst>
 </file>
 
